--- a/CSI Data Analytics Bootcamp Capstone.pptx
+++ b/CSI Data Analytics Bootcamp Capstone.pptx
@@ -257,7 +257,7 @@
           <a:p>
             <a:fld id="{D51891BF-ACAD-42FE-9EE4-A4A713D66CC1}" type="datetimeFigureOut">
               <a:rPr lang="en-US" smtClean="0"/>
-              <a:t>2/22/2025</a:t>
+              <a:t>2/24/2025</a:t>
             </a:fld>
             <a:endParaRPr lang="en-US"/>
           </a:p>
@@ -427,7 +427,7 @@
           <a:p>
             <a:fld id="{D51891BF-ACAD-42FE-9EE4-A4A713D66CC1}" type="datetimeFigureOut">
               <a:rPr lang="en-US" smtClean="0"/>
-              <a:t>2/22/2025</a:t>
+              <a:t>2/24/2025</a:t>
             </a:fld>
             <a:endParaRPr lang="en-US"/>
           </a:p>
@@ -607,7 +607,7 @@
           <a:p>
             <a:fld id="{D51891BF-ACAD-42FE-9EE4-A4A713D66CC1}" type="datetimeFigureOut">
               <a:rPr lang="en-US" smtClean="0"/>
-              <a:t>2/22/2025</a:t>
+              <a:t>2/24/2025</a:t>
             </a:fld>
             <a:endParaRPr lang="en-US"/>
           </a:p>
@@ -777,7 +777,7 @@
           <a:p>
             <a:fld id="{D51891BF-ACAD-42FE-9EE4-A4A713D66CC1}" type="datetimeFigureOut">
               <a:rPr lang="en-US" smtClean="0"/>
-              <a:t>2/22/2025</a:t>
+              <a:t>2/24/2025</a:t>
             </a:fld>
             <a:endParaRPr lang="en-US"/>
           </a:p>
@@ -1023,7 +1023,7 @@
           <a:p>
             <a:fld id="{D51891BF-ACAD-42FE-9EE4-A4A713D66CC1}" type="datetimeFigureOut">
               <a:rPr lang="en-US" smtClean="0"/>
-              <a:t>2/22/2025</a:t>
+              <a:t>2/24/2025</a:t>
             </a:fld>
             <a:endParaRPr lang="en-US"/>
           </a:p>
@@ -1255,7 +1255,7 @@
           <a:p>
             <a:fld id="{D51891BF-ACAD-42FE-9EE4-A4A713D66CC1}" type="datetimeFigureOut">
               <a:rPr lang="en-US" smtClean="0"/>
-              <a:t>2/22/2025</a:t>
+              <a:t>2/24/2025</a:t>
             </a:fld>
             <a:endParaRPr lang="en-US"/>
           </a:p>
@@ -1622,7 +1622,7 @@
           <a:p>
             <a:fld id="{D51891BF-ACAD-42FE-9EE4-A4A713D66CC1}" type="datetimeFigureOut">
               <a:rPr lang="en-US" smtClean="0"/>
-              <a:t>2/22/2025</a:t>
+              <a:t>2/24/2025</a:t>
             </a:fld>
             <a:endParaRPr lang="en-US"/>
           </a:p>
@@ -1740,7 +1740,7 @@
           <a:p>
             <a:fld id="{D51891BF-ACAD-42FE-9EE4-A4A713D66CC1}" type="datetimeFigureOut">
               <a:rPr lang="en-US" smtClean="0"/>
-              <a:t>2/22/2025</a:t>
+              <a:t>2/24/2025</a:t>
             </a:fld>
             <a:endParaRPr lang="en-US"/>
           </a:p>
@@ -1835,7 +1835,7 @@
           <a:p>
             <a:fld id="{D51891BF-ACAD-42FE-9EE4-A4A713D66CC1}" type="datetimeFigureOut">
               <a:rPr lang="en-US" smtClean="0"/>
-              <a:t>2/22/2025</a:t>
+              <a:t>2/24/2025</a:t>
             </a:fld>
             <a:endParaRPr lang="en-US"/>
           </a:p>
@@ -2112,7 +2112,7 @@
           <a:p>
             <a:fld id="{D51891BF-ACAD-42FE-9EE4-A4A713D66CC1}" type="datetimeFigureOut">
               <a:rPr lang="en-US" smtClean="0"/>
-              <a:t>2/22/2025</a:t>
+              <a:t>2/24/2025</a:t>
             </a:fld>
             <a:endParaRPr lang="en-US"/>
           </a:p>
@@ -2369,7 +2369,7 @@
           <a:p>
             <a:fld id="{D51891BF-ACAD-42FE-9EE4-A4A713D66CC1}" type="datetimeFigureOut">
               <a:rPr lang="en-US" smtClean="0"/>
-              <a:t>2/22/2025</a:t>
+              <a:t>2/24/2025</a:t>
             </a:fld>
             <a:endParaRPr lang="en-US"/>
           </a:p>
@@ -2582,7 +2582,7 @@
           <a:p>
             <a:fld id="{D51891BF-ACAD-42FE-9EE4-A4A713D66CC1}" type="datetimeFigureOut">
               <a:rPr lang="en-US" smtClean="0"/>
-              <a:t>2/22/2025</a:t>
+              <a:t>2/24/2025</a:t>
             </a:fld>
             <a:endParaRPr lang="en-US"/>
           </a:p>
@@ -3457,10 +3457,10 @@
       </p:grpSpPr>
       <p:pic>
         <p:nvPicPr>
-          <p:cNvPr id="8" name="Picture 7" descr="A graph with blue and white bars&#10;&#10;AI-generated content may be incorrect.">
+          <p:cNvPr id="6" name="Picture 5">
             <a:extLst>
               <a:ext uri="{FF2B5EF4-FFF2-40B4-BE49-F238E27FC236}">
-                <a16:creationId xmlns:a16="http://schemas.microsoft.com/office/drawing/2014/main" id="{C6CF8033-B626-7E80-1751-2AEDEADBF78B}"/>
+                <a16:creationId xmlns:a16="http://schemas.microsoft.com/office/drawing/2014/main" id="{1D280D4A-37DD-2458-E30C-D8445789A0A6}"/>
               </a:ext>
             </a:extLst>
           </p:cNvPr>
@@ -3470,21 +3470,15 @@
           <p:nvPr/>
         </p:nvPicPr>
         <p:blipFill>
-          <a:blip r:embed="rId2">
-            <a:extLst>
-              <a:ext uri="{28A0092B-C50C-407E-A947-70E740481C1C}">
-                <a14:useLocalDpi xmlns:a14="http://schemas.microsoft.com/office/drawing/2010/main" val="0"/>
-              </a:ext>
-            </a:extLst>
-          </a:blip>
+          <a:blip r:embed="rId2"/>
           <a:stretch>
             <a:fillRect/>
           </a:stretch>
         </p:blipFill>
         <p:spPr>
           <a:xfrm>
-            <a:off x="1367651" y="338924"/>
-            <a:ext cx="9456697" cy="6180151"/>
+            <a:off x="275967" y="0"/>
+            <a:ext cx="11640065" cy="6858000"/>
           </a:xfrm>
           <a:prstGeom prst="rect">
             <a:avLst/>

--- a/CSI Data Analytics Bootcamp Capstone.pptx
+++ b/CSI Data Analytics Bootcamp Capstone.pptx
@@ -6,20 +6,19 @@
   </p:sldMasterIdLst>
   <p:sldIdLst>
     <p:sldId id="256" r:id="rId2"/>
-    <p:sldId id="257" r:id="rId3"/>
-    <p:sldId id="275" r:id="rId4"/>
-    <p:sldId id="276" r:id="rId5"/>
-    <p:sldId id="267" r:id="rId6"/>
-    <p:sldId id="259" r:id="rId7"/>
-    <p:sldId id="268" r:id="rId8"/>
-    <p:sldId id="278" r:id="rId9"/>
-    <p:sldId id="274" r:id="rId10"/>
-    <p:sldId id="279" r:id="rId11"/>
-    <p:sldId id="273" r:id="rId12"/>
-    <p:sldId id="272" r:id="rId13"/>
-    <p:sldId id="270" r:id="rId14"/>
-    <p:sldId id="271" r:id="rId15"/>
-    <p:sldId id="262" r:id="rId16"/>
+    <p:sldId id="280" r:id="rId3"/>
+    <p:sldId id="257" r:id="rId4"/>
+    <p:sldId id="275" r:id="rId5"/>
+    <p:sldId id="259" r:id="rId6"/>
+    <p:sldId id="268" r:id="rId7"/>
+    <p:sldId id="278" r:id="rId8"/>
+    <p:sldId id="274" r:id="rId9"/>
+    <p:sldId id="279" r:id="rId10"/>
+    <p:sldId id="273" r:id="rId11"/>
+    <p:sldId id="272" r:id="rId12"/>
+    <p:sldId id="270" r:id="rId13"/>
+    <p:sldId id="271" r:id="rId14"/>
+    <p:sldId id="262" r:id="rId15"/>
   </p:sldIdLst>
   <p:sldSz cx="12192000" cy="6858000"/>
   <p:notesSz cx="6858000" cy="9144000"/>
@@ -257,7 +256,7 @@
           <a:p>
             <a:fld id="{D51891BF-ACAD-42FE-9EE4-A4A713D66CC1}" type="datetimeFigureOut">
               <a:rPr lang="en-US" smtClean="0"/>
-              <a:t>2/24/2025</a:t>
+              <a:t>2/25/2025</a:t>
             </a:fld>
             <a:endParaRPr lang="en-US"/>
           </a:p>
@@ -427,7 +426,7 @@
           <a:p>
             <a:fld id="{D51891BF-ACAD-42FE-9EE4-A4A713D66CC1}" type="datetimeFigureOut">
               <a:rPr lang="en-US" smtClean="0"/>
-              <a:t>2/24/2025</a:t>
+              <a:t>2/25/2025</a:t>
             </a:fld>
             <a:endParaRPr lang="en-US"/>
           </a:p>
@@ -607,7 +606,7 @@
           <a:p>
             <a:fld id="{D51891BF-ACAD-42FE-9EE4-A4A713D66CC1}" type="datetimeFigureOut">
               <a:rPr lang="en-US" smtClean="0"/>
-              <a:t>2/24/2025</a:t>
+              <a:t>2/25/2025</a:t>
             </a:fld>
             <a:endParaRPr lang="en-US"/>
           </a:p>
@@ -777,7 +776,7 @@
           <a:p>
             <a:fld id="{D51891BF-ACAD-42FE-9EE4-A4A713D66CC1}" type="datetimeFigureOut">
               <a:rPr lang="en-US" smtClean="0"/>
-              <a:t>2/24/2025</a:t>
+              <a:t>2/25/2025</a:t>
             </a:fld>
             <a:endParaRPr lang="en-US"/>
           </a:p>
@@ -1023,7 +1022,7 @@
           <a:p>
             <a:fld id="{D51891BF-ACAD-42FE-9EE4-A4A713D66CC1}" type="datetimeFigureOut">
               <a:rPr lang="en-US" smtClean="0"/>
-              <a:t>2/24/2025</a:t>
+              <a:t>2/25/2025</a:t>
             </a:fld>
             <a:endParaRPr lang="en-US"/>
           </a:p>
@@ -1255,7 +1254,7 @@
           <a:p>
             <a:fld id="{D51891BF-ACAD-42FE-9EE4-A4A713D66CC1}" type="datetimeFigureOut">
               <a:rPr lang="en-US" smtClean="0"/>
-              <a:t>2/24/2025</a:t>
+              <a:t>2/25/2025</a:t>
             </a:fld>
             <a:endParaRPr lang="en-US"/>
           </a:p>
@@ -1622,7 +1621,7 @@
           <a:p>
             <a:fld id="{D51891BF-ACAD-42FE-9EE4-A4A713D66CC1}" type="datetimeFigureOut">
               <a:rPr lang="en-US" smtClean="0"/>
-              <a:t>2/24/2025</a:t>
+              <a:t>2/25/2025</a:t>
             </a:fld>
             <a:endParaRPr lang="en-US"/>
           </a:p>
@@ -1740,7 +1739,7 @@
           <a:p>
             <a:fld id="{D51891BF-ACAD-42FE-9EE4-A4A713D66CC1}" type="datetimeFigureOut">
               <a:rPr lang="en-US" smtClean="0"/>
-              <a:t>2/24/2025</a:t>
+              <a:t>2/25/2025</a:t>
             </a:fld>
             <a:endParaRPr lang="en-US"/>
           </a:p>
@@ -1835,7 +1834,7 @@
           <a:p>
             <a:fld id="{D51891BF-ACAD-42FE-9EE4-A4A713D66CC1}" type="datetimeFigureOut">
               <a:rPr lang="en-US" smtClean="0"/>
-              <a:t>2/24/2025</a:t>
+              <a:t>2/25/2025</a:t>
             </a:fld>
             <a:endParaRPr lang="en-US"/>
           </a:p>
@@ -2112,7 +2111,7 @@
           <a:p>
             <a:fld id="{D51891BF-ACAD-42FE-9EE4-A4A713D66CC1}" type="datetimeFigureOut">
               <a:rPr lang="en-US" smtClean="0"/>
-              <a:t>2/24/2025</a:t>
+              <a:t>2/25/2025</a:t>
             </a:fld>
             <a:endParaRPr lang="en-US"/>
           </a:p>
@@ -2369,7 +2368,7 @@
           <a:p>
             <a:fld id="{D51891BF-ACAD-42FE-9EE4-A4A713D66CC1}" type="datetimeFigureOut">
               <a:rPr lang="en-US" smtClean="0"/>
-              <a:t>2/24/2025</a:t>
+              <a:t>2/25/2025</a:t>
             </a:fld>
             <a:endParaRPr lang="en-US"/>
           </a:p>
@@ -2582,7 +2581,7 @@
           <a:p>
             <a:fld id="{D51891BF-ACAD-42FE-9EE4-A4A713D66CC1}" type="datetimeFigureOut">
               <a:rPr lang="en-US" smtClean="0"/>
-              <a:t>2/24/2025</a:t>
+              <a:t>2/25/2025</a:t>
             </a:fld>
             <a:endParaRPr lang="en-US"/>
           </a:p>
@@ -3251,119 +3250,6 @@
 <file path=ppt/slides/slide10.xml><?xml version="1.0" encoding="utf-8"?>
 <p:sld xmlns:a="http://schemas.openxmlformats.org/drawingml/2006/main" xmlns:r="http://schemas.openxmlformats.org/officeDocument/2006/relationships" xmlns:p="http://schemas.openxmlformats.org/presentationml/2006/main">
   <p:cSld>
-    <p:bg>
-      <p:bgPr>
-        <a:solidFill>
-          <a:schemeClr val="accent6">
-            <a:lumMod val="40000"/>
-            <a:lumOff val="60000"/>
-          </a:schemeClr>
-        </a:solidFill>
-        <a:effectLst/>
-      </p:bgPr>
-    </p:bg>
-    <p:spTree>
-      <p:nvGrpSpPr>
-        <p:cNvPr id="1" name="">
-          <a:extLst>
-            <a:ext uri="{FF2B5EF4-FFF2-40B4-BE49-F238E27FC236}">
-              <a16:creationId xmlns:a16="http://schemas.microsoft.com/office/drawing/2014/main" id="{AA2C65F4-76C5-91B8-531B-32A6B2FB854A}"/>
-            </a:ext>
-          </a:extLst>
-        </p:cNvPr>
-        <p:cNvGrpSpPr/>
-        <p:nvPr/>
-      </p:nvGrpSpPr>
-      <p:grpSpPr>
-        <a:xfrm>
-          <a:off x="0" y="0"/>
-          <a:ext cx="0" cy="0"/>
-          <a:chOff x="0" y="0"/>
-          <a:chExt cx="0" cy="0"/>
-        </a:xfrm>
-      </p:grpSpPr>
-      <p:sp>
-        <p:nvSpPr>
-          <p:cNvPr id="4" name="Google Shape;343;p52">
-            <a:extLst>
-              <a:ext uri="{FF2B5EF4-FFF2-40B4-BE49-F238E27FC236}">
-                <a16:creationId xmlns:a16="http://schemas.microsoft.com/office/drawing/2014/main" id="{7C30C0F0-72EB-AF8B-5429-4E474941500D}"/>
-              </a:ext>
-            </a:extLst>
-          </p:cNvPr>
-          <p:cNvSpPr txBox="1">
-            <a:spLocks noGrp="1"/>
-          </p:cNvSpPr>
-          <p:nvPr>
-            <p:ph idx="1"/>
-          </p:nvPr>
-        </p:nvSpPr>
-        <p:spPr>
-          <a:xfrm>
-            <a:off x="838200" y="1253331"/>
-            <a:ext cx="10515600" cy="4351338"/>
-          </a:xfrm>
-          <a:prstGeom prst="rect">
-            <a:avLst/>
-          </a:prstGeom>
-          <a:noFill/>
-          <a:ln>
-            <a:noFill/>
-          </a:ln>
-        </p:spPr>
-        <p:txBody>
-          <a:bodyPr spcFirstLastPara="1" wrap="square" lIns="91425" tIns="91425" rIns="91425" bIns="91425" anchor="ctr" anchorCtr="0">
-            <a:noAutofit/>
-          </a:bodyPr>
-          <a:lstStyle/>
-          <a:p>
-            <a:pPr marL="0" lvl="0" indent="0" algn="l" rtl="0">
-              <a:lnSpc>
-                <a:spcPct val="100000"/>
-              </a:lnSpc>
-              <a:spcBef>
-                <a:spcPts val="0"/>
-              </a:spcBef>
-              <a:spcAft>
-                <a:spcPts val="0"/>
-              </a:spcAft>
-              <a:buSzPts val="2600"/>
-              <a:buNone/>
-            </a:pPr>
-            <a:r>
-              <a:rPr lang="en-US" sz="3300" dirty="0">
-                <a:latin typeface="Lato Black"/>
-                <a:ea typeface="Lato Black"/>
-                <a:cs typeface="Lato Black"/>
-                <a:sym typeface="Lato Black"/>
-              </a:rPr>
-              <a:t>Observations of Factory Locations</a:t>
-            </a:r>
-            <a:endParaRPr lang="en-US" sz="3300" dirty="0">
-              <a:latin typeface="Lato"/>
-              <a:ea typeface="Lato"/>
-              <a:cs typeface="Lato"/>
-              <a:sym typeface="Lato"/>
-            </a:endParaRPr>
-          </a:p>
-        </p:txBody>
-      </p:sp>
-    </p:spTree>
-    <p:extLst>
-      <p:ext uri="{BB962C8B-B14F-4D97-AF65-F5344CB8AC3E}">
-        <p14:creationId xmlns:p14="http://schemas.microsoft.com/office/powerpoint/2010/main" val="1769042485"/>
-      </p:ext>
-    </p:extLst>
-  </p:cSld>
-  <p:clrMapOvr>
-    <a:masterClrMapping/>
-  </p:clrMapOvr>
-</p:sld>
-</file>
-
-<file path=ppt/slides/slide11.xml><?xml version="1.0" encoding="utf-8"?>
-<p:sld xmlns:a="http://schemas.openxmlformats.org/drawingml/2006/main" xmlns:r="http://schemas.openxmlformats.org/officeDocument/2006/relationships" xmlns:p="http://schemas.openxmlformats.org/presentationml/2006/main">
-  <p:cSld>
     <p:spTree>
       <p:nvGrpSpPr>
         <p:cNvPr id="1" name="">
@@ -3414,11 +3300,63 @@
         </p:blipFill>
         <p:spPr>
           <a:xfrm>
-            <a:off x="1560286" y="54430"/>
+            <a:off x="3120572" y="27215"/>
             <a:ext cx="9071428" cy="6803570"/>
           </a:xfrm>
         </p:spPr>
       </p:pic>
+      <p:sp>
+        <p:nvSpPr>
+          <p:cNvPr id="2" name="TextBox 1">
+            <a:extLst>
+              <a:ext uri="{FF2B5EF4-FFF2-40B4-BE49-F238E27FC236}">
+                <a16:creationId xmlns:a16="http://schemas.microsoft.com/office/drawing/2014/main" id="{7A56B65C-328F-1D7E-E127-CA31780A7CE8}"/>
+              </a:ext>
+            </a:extLst>
+          </p:cNvPr>
+          <p:cNvSpPr txBox="1"/>
+          <p:nvPr/>
+        </p:nvSpPr>
+        <p:spPr>
+          <a:xfrm>
+            <a:off x="0" y="1997839"/>
+            <a:ext cx="3241040" cy="2862322"/>
+          </a:xfrm>
+          <a:prstGeom prst="rect">
+            <a:avLst/>
+          </a:prstGeom>
+          <a:noFill/>
+        </p:spPr>
+        <p:txBody>
+          <a:bodyPr wrap="square" rtlCol="0">
+            <a:spAutoFit/>
+          </a:bodyPr>
+          <a:lstStyle/>
+          <a:p>
+            <a:pPr marL="285750" indent="-285750">
+              <a:buFont typeface="Wingdings" panose="05000000000000000000" pitchFamily="2" charset="2"/>
+              <a:buChar char="§"/>
+            </a:pPr>
+            <a:r>
+              <a:rPr lang="en-US" dirty="0"/>
+              <a:t>Items with more locations visited do not necessarily have longer production times.</a:t>
+            </a:r>
+          </a:p>
+          <a:p>
+            <a:endParaRPr lang="en-US" dirty="0"/>
+          </a:p>
+          <a:p>
+            <a:pPr marL="285750" indent="-285750">
+              <a:buFont typeface="Wingdings" panose="05000000000000000000" pitchFamily="2" charset="2"/>
+              <a:buChar char="§"/>
+            </a:pPr>
+            <a:r>
+              <a:rPr lang="en-US" dirty="0"/>
+              <a:t>While the extreme values can have significantly more locations visited, it is not the root cause of their longer production timespan</a:t>
+            </a:r>
+          </a:p>
+        </p:txBody>
+      </p:sp>
     </p:spTree>
     <p:extLst>
       <p:ext uri="{BB962C8B-B14F-4D97-AF65-F5344CB8AC3E}">
@@ -3432,7 +3370,7 @@
 </p:sld>
 </file>
 
-<file path=ppt/slides/slide12.xml><?xml version="1.0" encoding="utf-8"?>
+<file path=ppt/slides/slide11.xml><?xml version="1.0" encoding="utf-8"?>
 <p:sld xmlns:a="http://schemas.openxmlformats.org/drawingml/2006/main" xmlns:r="http://schemas.openxmlformats.org/officeDocument/2006/relationships" xmlns:p="http://schemas.openxmlformats.org/presentationml/2006/main">
   <p:cSld>
     <p:spTree>
@@ -3498,7 +3436,7 @@
 </p:sld>
 </file>
 
-<file path=ppt/slides/slide13.xml><?xml version="1.0" encoding="utf-8"?>
+<file path=ppt/slides/slide12.xml><?xml version="1.0" encoding="utf-8"?>
 <p:sld xmlns:a="http://schemas.openxmlformats.org/drawingml/2006/main" xmlns:r="http://schemas.openxmlformats.org/officeDocument/2006/relationships" xmlns:p="http://schemas.openxmlformats.org/presentationml/2006/main">
   <p:cSld>
     <p:spTree>
@@ -3549,7 +3487,7 @@
         </p:blipFill>
         <p:spPr>
           <a:xfrm>
-            <a:off x="1538513" y="288632"/>
+            <a:off x="3047831" y="278573"/>
             <a:ext cx="9144169" cy="6300854"/>
           </a:xfrm>
           <a:prstGeom prst="rect">
@@ -3557,6 +3495,58 @@
           </a:prstGeom>
         </p:spPr>
       </p:pic>
+      <p:sp>
+        <p:nvSpPr>
+          <p:cNvPr id="5" name="TextBox 4">
+            <a:extLst>
+              <a:ext uri="{FF2B5EF4-FFF2-40B4-BE49-F238E27FC236}">
+                <a16:creationId xmlns:a16="http://schemas.microsoft.com/office/drawing/2014/main" id="{33B38D8F-0514-799E-9035-A69CBE692316}"/>
+              </a:ext>
+            </a:extLst>
+          </p:cNvPr>
+          <p:cNvSpPr txBox="1"/>
+          <p:nvPr/>
+        </p:nvSpPr>
+        <p:spPr>
+          <a:xfrm>
+            <a:off x="0" y="2136338"/>
+            <a:ext cx="2834640" cy="2308324"/>
+          </a:xfrm>
+          <a:prstGeom prst="rect">
+            <a:avLst/>
+          </a:prstGeom>
+          <a:noFill/>
+        </p:spPr>
+        <p:txBody>
+          <a:bodyPr wrap="square">
+            <a:spAutoFit/>
+          </a:bodyPr>
+          <a:lstStyle/>
+          <a:p>
+            <a:pPr marL="285750" indent="-285750">
+              <a:buFont typeface="Wingdings" panose="05000000000000000000" pitchFamily="2" charset="2"/>
+              <a:buChar char="§"/>
+            </a:pPr>
+            <a:r>
+              <a:rPr lang="en-US" dirty="0"/>
+              <a:t>Items stay in a holding location until they are ready to be passed off to a jeweler</a:t>
+            </a:r>
+          </a:p>
+          <a:p>
+            <a:endParaRPr lang="en-US" dirty="0"/>
+          </a:p>
+          <a:p>
+            <a:pPr marL="285750" indent="-285750">
+              <a:buFont typeface="Wingdings" panose="05000000000000000000" pitchFamily="2" charset="2"/>
+              <a:buChar char="§"/>
+            </a:pPr>
+            <a:r>
+              <a:rPr lang="en-US" dirty="0"/>
+              <a:t>We see that this location has a spike in outbound volume near the holidays</a:t>
+            </a:r>
+          </a:p>
+        </p:txBody>
+      </p:sp>
     </p:spTree>
     <p:extLst>
       <p:ext uri="{BB962C8B-B14F-4D97-AF65-F5344CB8AC3E}">
@@ -3570,7 +3560,7 @@
 </p:sld>
 </file>
 
-<file path=ppt/slides/slide14.xml><?xml version="1.0" encoding="utf-8"?>
+<file path=ppt/slides/slide13.xml><?xml version="1.0" encoding="utf-8"?>
 <p:sld xmlns:a="http://schemas.openxmlformats.org/drawingml/2006/main" xmlns:r="http://schemas.openxmlformats.org/officeDocument/2006/relationships" xmlns:p="http://schemas.openxmlformats.org/presentationml/2006/main">
   <p:cSld>
     <p:bg>
@@ -3741,7 +3731,7 @@
 </p:sld>
 </file>
 
-<file path=ppt/slides/slide15.xml><?xml version="1.0" encoding="utf-8"?>
+<file path=ppt/slides/slide14.xml><?xml version="1.0" encoding="utf-8"?>
 <p:sld xmlns:a="http://schemas.openxmlformats.org/drawingml/2006/main" xmlns:r="http://schemas.openxmlformats.org/officeDocument/2006/relationships" xmlns:p="http://schemas.openxmlformats.org/presentationml/2006/main">
   <p:cSld>
     <p:bg>
@@ -3866,6 +3856,200 @@
     </p:bg>
     <p:spTree>
       <p:nvGrpSpPr>
+        <p:cNvPr id="1" name="">
+          <a:extLst>
+            <a:ext uri="{FF2B5EF4-FFF2-40B4-BE49-F238E27FC236}">
+              <a16:creationId xmlns:a16="http://schemas.microsoft.com/office/drawing/2014/main" id="{4E6255ED-7E2C-D04E-17BB-CAE6A77322FE}"/>
+            </a:ext>
+          </a:extLst>
+        </p:cNvPr>
+        <p:cNvGrpSpPr/>
+        <p:nvPr/>
+      </p:nvGrpSpPr>
+      <p:grpSpPr>
+        <a:xfrm>
+          <a:off x="0" y="0"/>
+          <a:ext cx="0" cy="0"/>
+          <a:chOff x="0" y="0"/>
+          <a:chExt cx="0" cy="0"/>
+        </a:xfrm>
+      </p:grpSpPr>
+      <p:sp>
+        <p:nvSpPr>
+          <p:cNvPr id="2" name="Title 1">
+            <a:extLst>
+              <a:ext uri="{FF2B5EF4-FFF2-40B4-BE49-F238E27FC236}">
+                <a16:creationId xmlns:a16="http://schemas.microsoft.com/office/drawing/2014/main" id="{B809FE35-60F5-27C2-2C24-D7F7B547728E}"/>
+              </a:ext>
+            </a:extLst>
+          </p:cNvPr>
+          <p:cNvSpPr>
+            <a:spLocks noGrp="1"/>
+          </p:cNvSpPr>
+          <p:nvPr>
+            <p:ph type="title"/>
+          </p:nvPr>
+        </p:nvSpPr>
+        <p:spPr/>
+        <p:txBody>
+          <a:bodyPr/>
+          <a:lstStyle/>
+          <a:p>
+            <a:r>
+              <a:rPr lang="en-US" b="1" dirty="0"/>
+              <a:t>Data Cleaning and Aggregation</a:t>
+            </a:r>
+          </a:p>
+        </p:txBody>
+      </p:sp>
+      <p:sp>
+        <p:nvSpPr>
+          <p:cNvPr id="3" name="Content Placeholder 2">
+            <a:extLst>
+              <a:ext uri="{FF2B5EF4-FFF2-40B4-BE49-F238E27FC236}">
+                <a16:creationId xmlns:a16="http://schemas.microsoft.com/office/drawing/2014/main" id="{6C611ABB-D4FA-51D9-AFEF-81D56EAF36F1}"/>
+              </a:ext>
+            </a:extLst>
+          </p:cNvPr>
+          <p:cNvSpPr>
+            <a:spLocks noGrp="1"/>
+          </p:cNvSpPr>
+          <p:nvPr>
+            <p:ph idx="1"/>
+          </p:nvPr>
+        </p:nvSpPr>
+        <p:spPr/>
+        <p:txBody>
+          <a:bodyPr>
+            <a:normAutofit lnSpcReduction="10000"/>
+          </a:bodyPr>
+          <a:lstStyle/>
+          <a:p>
+            <a:pPr marL="514350" indent="-514350">
+              <a:buAutoNum type="arabicPeriod"/>
+            </a:pPr>
+            <a:r>
+              <a:rPr lang="en-US" dirty="0"/>
+              <a:t>Contents</a:t>
+            </a:r>
+          </a:p>
+          <a:p>
+            <a:pPr lvl="1">
+              <a:buFont typeface="Wingdings" panose="05000000000000000000" pitchFamily="2" charset="2"/>
+              <a:buChar char="§"/>
+            </a:pPr>
+            <a:r>
+              <a:rPr lang="en-US" dirty="0" err="1"/>
+              <a:t>Colormasters</a:t>
+            </a:r>
+            <a:r>
+              <a:rPr lang="en-US" dirty="0"/>
+              <a:t> collected ring manufacturing data from 2022 to 2023 </a:t>
+            </a:r>
+          </a:p>
+          <a:p>
+            <a:pPr marL="514350" indent="-514350">
+              <a:buAutoNum type="arabicPeriod"/>
+            </a:pPr>
+            <a:r>
+              <a:rPr lang="en-US" dirty="0"/>
+              <a:t>Method</a:t>
+            </a:r>
+          </a:p>
+          <a:p>
+            <a:pPr lvl="1">
+              <a:buFont typeface="Wingdings" panose="05000000000000000000" pitchFamily="2" charset="2"/>
+              <a:buChar char="§"/>
+            </a:pPr>
+            <a:r>
+              <a:rPr lang="en-US" dirty="0"/>
+              <a:t>Omitted locations unrelated to ring manufacturing</a:t>
+            </a:r>
+          </a:p>
+          <a:p>
+            <a:pPr lvl="1">
+              <a:buFont typeface="Wingdings" panose="05000000000000000000" pitchFamily="2" charset="2"/>
+              <a:buChar char="§"/>
+            </a:pPr>
+            <a:r>
+              <a:rPr lang="en-US" dirty="0"/>
+              <a:t>Excluded production time in final location (not bounded by an end date)</a:t>
+            </a:r>
+          </a:p>
+          <a:p>
+            <a:pPr marL="514350" indent="-514350">
+              <a:buAutoNum type="arabicPeriod"/>
+            </a:pPr>
+            <a:r>
+              <a:rPr lang="en-US" dirty="0"/>
+              <a:t>Challenges</a:t>
+            </a:r>
+          </a:p>
+          <a:p>
+            <a:pPr lvl="1">
+              <a:buFont typeface="Wingdings" panose="05000000000000000000" pitchFamily="2" charset="2"/>
+              <a:buChar char="§"/>
+            </a:pPr>
+            <a:r>
+              <a:rPr lang="en-US" dirty="0"/>
+              <a:t>Some ring visited locations unrelated to ring manufacturing (ex: adding findings to a piece)</a:t>
+            </a:r>
+          </a:p>
+          <a:p>
+            <a:pPr lvl="1">
+              <a:buFont typeface="Wingdings" panose="05000000000000000000" pitchFamily="2" charset="2"/>
+              <a:buChar char="§"/>
+            </a:pPr>
+            <a:r>
+              <a:rPr lang="en-US" dirty="0"/>
+              <a:t>Potential mislabeling of piece locations possible</a:t>
+            </a:r>
+          </a:p>
+          <a:p>
+            <a:pPr lvl="1">
+              <a:buFont typeface="Wingdings" panose="05000000000000000000" pitchFamily="2" charset="2"/>
+              <a:buChar char="§"/>
+            </a:pPr>
+            <a:r>
+              <a:rPr lang="en-US" dirty="0"/>
+              <a:t>Not all locations are internal</a:t>
+            </a:r>
+            <a:br>
+              <a:rPr lang="en-US" dirty="0"/>
+            </a:br>
+            <a:endParaRPr lang="en-US" dirty="0"/>
+          </a:p>
+        </p:txBody>
+      </p:sp>
+    </p:spTree>
+    <p:extLst>
+      <p:ext uri="{BB962C8B-B14F-4D97-AF65-F5344CB8AC3E}">
+        <p14:creationId xmlns:p14="http://schemas.microsoft.com/office/powerpoint/2010/main" val="438612219"/>
+      </p:ext>
+    </p:extLst>
+  </p:cSld>
+  <p:clrMapOvr>
+    <a:masterClrMapping/>
+  </p:clrMapOvr>
+</p:sld>
+</file>
+
+<file path=ppt/slides/slide3.xml><?xml version="1.0" encoding="utf-8"?>
+<p:sld xmlns:a="http://schemas.openxmlformats.org/drawingml/2006/main" xmlns:r="http://schemas.openxmlformats.org/officeDocument/2006/relationships" xmlns:p="http://schemas.openxmlformats.org/presentationml/2006/main">
+  <p:cSld>
+    <p:bg>
+      <p:bgPr>
+        <a:solidFill>
+          <a:schemeClr val="accent6">
+            <a:lumMod val="20000"/>
+            <a:lumOff val="80000"/>
+          </a:schemeClr>
+        </a:solidFill>
+        <a:effectLst/>
+      </p:bgPr>
+    </p:bg>
+    <p:spTree>
+      <p:nvGrpSpPr>
         <p:cNvPr id="1" name=""/>
         <p:cNvGrpSpPr/>
         <p:nvPr/>
@@ -3901,7 +4085,7 @@
           <a:p>
             <a:r>
               <a:rPr lang="en-US" b="1" dirty="0"/>
-              <a:t>Objective</a:t>
+              <a:t>Questions to Address</a:t>
             </a:r>
           </a:p>
         </p:txBody>
@@ -3927,32 +4111,33 @@
           <a:bodyPr/>
           <a:lstStyle/>
           <a:p>
+            <a:pPr marL="514350" indent="-514350">
+              <a:buFont typeface="+mj-lt"/>
+              <a:buAutoNum type="arabicPeriod"/>
+            </a:pPr>
             <a:r>
               <a:rPr lang="en-US" dirty="0"/>
-              <a:t>Analyze the dataset provided by </a:t>
-            </a:r>
-            <a:r>
-              <a:rPr lang="en-US" dirty="0" err="1"/>
-              <a:t>Colormasters</a:t>
-            </a:r>
-            <a:endParaRPr lang="en-US" dirty="0"/>
-          </a:p>
-          <a:p>
+              <a:t>Which processes are slowing down manufacturing time?</a:t>
+            </a:r>
+          </a:p>
+          <a:p>
+            <a:pPr marL="514350" indent="-514350">
+              <a:buFont typeface="+mj-lt"/>
+              <a:buAutoNum type="arabicPeriod"/>
+            </a:pPr>
             <a:r>
               <a:rPr lang="en-US" dirty="0"/>
-              <a:t>Make observations of the data based on production time</a:t>
-            </a:r>
-          </a:p>
-          <a:p>
+              <a:t>Are there any problems with the current procedures?</a:t>
+            </a:r>
+          </a:p>
+          <a:p>
+            <a:pPr marL="514350" indent="-514350">
+              <a:buFont typeface="+mj-lt"/>
+              <a:buAutoNum type="arabicPeriod"/>
+            </a:pPr>
             <a:r>
               <a:rPr lang="en-US" dirty="0"/>
-              <a:t>Identify bottlenecks in the production process</a:t>
-            </a:r>
-          </a:p>
-          <a:p>
-            <a:r>
-              <a:rPr lang="en-US" dirty="0"/>
-              <a:t>Make recommendations based on our observations</a:t>
+              <a:t>What changes could be implemented to improve manufacturing lead time?</a:t>
             </a:r>
           </a:p>
         </p:txBody>
@@ -3970,7 +4155,7 @@
 </p:sld>
 </file>
 
-<file path=ppt/slides/slide3.xml><?xml version="1.0" encoding="utf-8"?>
+<file path=ppt/slides/slide4.xml><?xml version="1.0" encoding="utf-8"?>
 <p:sld xmlns:a="http://schemas.openxmlformats.org/drawingml/2006/main" xmlns:r="http://schemas.openxmlformats.org/officeDocument/2006/relationships" xmlns:p="http://schemas.openxmlformats.org/presentationml/2006/main">
   <p:cSld>
     <p:spTree>
@@ -4020,14 +4205,73 @@
         </p:blipFill>
         <p:spPr>
           <a:xfrm>
-            <a:off x="1095561" y="0"/>
-            <a:ext cx="10000877" cy="6857999"/>
+            <a:off x="3223163" y="416560"/>
+            <a:ext cx="8785957" cy="6024880"/>
           </a:xfrm>
           <a:prstGeom prst="rect">
             <a:avLst/>
           </a:prstGeom>
         </p:spPr>
       </p:pic>
+      <p:sp>
+        <p:nvSpPr>
+          <p:cNvPr id="2" name="TextBox 1">
+            <a:extLst>
+              <a:ext uri="{FF2B5EF4-FFF2-40B4-BE49-F238E27FC236}">
+                <a16:creationId xmlns:a16="http://schemas.microsoft.com/office/drawing/2014/main" id="{C020966D-3ADD-5322-0D4B-21188DF2624B}"/>
+              </a:ext>
+            </a:extLst>
+          </p:cNvPr>
+          <p:cNvSpPr txBox="1"/>
+          <p:nvPr/>
+        </p:nvSpPr>
+        <p:spPr>
+          <a:xfrm>
+            <a:off x="0" y="2413337"/>
+            <a:ext cx="2956560" cy="2031325"/>
+          </a:xfrm>
+          <a:prstGeom prst="rect">
+            <a:avLst/>
+          </a:prstGeom>
+          <a:noFill/>
+        </p:spPr>
+        <p:txBody>
+          <a:bodyPr wrap="square" rtlCol="0">
+            <a:spAutoFit/>
+          </a:bodyPr>
+          <a:lstStyle/>
+          <a:p>
+            <a:pPr marL="285750" indent="-285750">
+              <a:buFont typeface="Wingdings" panose="05000000000000000000" pitchFamily="2" charset="2"/>
+              <a:buChar char="§"/>
+            </a:pPr>
+            <a:r>
+              <a:rPr lang="en-US" dirty="0"/>
+              <a:t>Most overdue items fall near due date</a:t>
+            </a:r>
+          </a:p>
+          <a:p>
+            <a:endParaRPr lang="en-US" dirty="0"/>
+          </a:p>
+          <a:p>
+            <a:pPr marL="285750" indent="-285750">
+              <a:buFont typeface="Wingdings" panose="05000000000000000000" pitchFamily="2" charset="2"/>
+              <a:buChar char="§"/>
+            </a:pPr>
+            <a:r>
+              <a:rPr lang="en-US" dirty="0"/>
+              <a:t>Outliers with long overdue dates create a rightward tail in the distribution</a:t>
+            </a:r>
+          </a:p>
+          <a:p>
+            <a:pPr marL="285750" indent="-285750">
+              <a:buFont typeface="Wingdings" panose="05000000000000000000" pitchFamily="2" charset="2"/>
+              <a:buChar char="§"/>
+            </a:pPr>
+            <a:endParaRPr lang="en-US" dirty="0"/>
+          </a:p>
+        </p:txBody>
+      </p:sp>
     </p:spTree>
     <p:extLst>
       <p:ext uri="{BB962C8B-B14F-4D97-AF65-F5344CB8AC3E}">
@@ -4041,202 +4285,7 @@
 </p:sld>
 </file>
 
-<file path=ppt/slides/slide4.xml><?xml version="1.0" encoding="utf-8"?>
-<p:sld xmlns:a="http://schemas.openxmlformats.org/drawingml/2006/main" xmlns:r="http://schemas.openxmlformats.org/officeDocument/2006/relationships" xmlns:p="http://schemas.openxmlformats.org/presentationml/2006/main">
-  <p:cSld>
-    <p:spTree>
-      <p:nvGrpSpPr>
-        <p:cNvPr id="1" name="">
-          <a:extLst>
-            <a:ext uri="{FF2B5EF4-FFF2-40B4-BE49-F238E27FC236}">
-              <a16:creationId xmlns:a16="http://schemas.microsoft.com/office/drawing/2014/main" id="{AAF79246-6342-425F-DDBB-9FAF7E289067}"/>
-            </a:ext>
-          </a:extLst>
-        </p:cNvPr>
-        <p:cNvGrpSpPr/>
-        <p:nvPr/>
-      </p:nvGrpSpPr>
-      <p:grpSpPr>
-        <a:xfrm>
-          <a:off x="0" y="0"/>
-          <a:ext cx="0" cy="0"/>
-          <a:chOff x="0" y="0"/>
-          <a:chExt cx="0" cy="0"/>
-        </a:xfrm>
-      </p:grpSpPr>
-      <p:pic>
-        <p:nvPicPr>
-          <p:cNvPr id="3" name="Picture 2" descr="A graph with a line&#10;&#10;AI-generated content may be incorrect.">
-            <a:extLst>
-              <a:ext uri="{FF2B5EF4-FFF2-40B4-BE49-F238E27FC236}">
-                <a16:creationId xmlns:a16="http://schemas.microsoft.com/office/drawing/2014/main" id="{FBA197D9-CB3E-2AE8-17B2-135BDF827FBD}"/>
-              </a:ext>
-            </a:extLst>
-          </p:cNvPr>
-          <p:cNvPicPr>
-            <a:picLocks noChangeAspect="1"/>
-          </p:cNvPicPr>
-          <p:nvPr/>
-        </p:nvPicPr>
-        <p:blipFill>
-          <a:blip r:embed="rId2">
-            <a:extLst>
-              <a:ext uri="{28A0092B-C50C-407E-A947-70E740481C1C}">
-                <a14:useLocalDpi xmlns:a14="http://schemas.microsoft.com/office/drawing/2010/main" val="0"/>
-              </a:ext>
-            </a:extLst>
-          </a:blip>
-          <a:stretch>
-            <a:fillRect/>
-          </a:stretch>
-        </p:blipFill>
-        <p:spPr>
-          <a:xfrm>
-            <a:off x="1524001" y="0"/>
-            <a:ext cx="9143998" cy="6857999"/>
-          </a:xfrm>
-          <a:prstGeom prst="rect">
-            <a:avLst/>
-          </a:prstGeom>
-        </p:spPr>
-      </p:pic>
-    </p:spTree>
-    <p:extLst>
-      <p:ext uri="{BB962C8B-B14F-4D97-AF65-F5344CB8AC3E}">
-        <p14:creationId xmlns:p14="http://schemas.microsoft.com/office/powerpoint/2010/main" val="3022140521"/>
-      </p:ext>
-    </p:extLst>
-  </p:cSld>
-  <p:clrMapOvr>
-    <a:masterClrMapping/>
-  </p:clrMapOvr>
-</p:sld>
-</file>
-
 <file path=ppt/slides/slide5.xml><?xml version="1.0" encoding="utf-8"?>
-<p:sld xmlns:a="http://schemas.openxmlformats.org/drawingml/2006/main" xmlns:r="http://schemas.openxmlformats.org/officeDocument/2006/relationships" xmlns:p="http://schemas.openxmlformats.org/presentationml/2006/main">
-  <p:cSld>
-    <p:bg>
-      <p:bgPr>
-        <a:solidFill>
-          <a:schemeClr val="accent6">
-            <a:lumMod val="20000"/>
-            <a:lumOff val="80000"/>
-          </a:schemeClr>
-        </a:solidFill>
-        <a:effectLst/>
-      </p:bgPr>
-    </p:bg>
-    <p:spTree>
-      <p:nvGrpSpPr>
-        <p:cNvPr id="1" name=""/>
-        <p:cNvGrpSpPr/>
-        <p:nvPr/>
-      </p:nvGrpSpPr>
-      <p:grpSpPr>
-        <a:xfrm>
-          <a:off x="0" y="0"/>
-          <a:ext cx="0" cy="0"/>
-          <a:chOff x="0" y="0"/>
-          <a:chExt cx="0" cy="0"/>
-        </a:xfrm>
-      </p:grpSpPr>
-      <p:sp>
-        <p:nvSpPr>
-          <p:cNvPr id="2" name="Title 1">
-            <a:extLst>
-              <a:ext uri="{FF2B5EF4-FFF2-40B4-BE49-F238E27FC236}">
-                <a16:creationId xmlns:a16="http://schemas.microsoft.com/office/drawing/2014/main" id="{522F6DA2-A48C-E0AC-50B2-95DC0E10317A}"/>
-              </a:ext>
-            </a:extLst>
-          </p:cNvPr>
-          <p:cNvSpPr>
-            <a:spLocks noGrp="1"/>
-          </p:cNvSpPr>
-          <p:nvPr>
-            <p:ph type="title"/>
-          </p:nvPr>
-        </p:nvSpPr>
-        <p:spPr/>
-        <p:txBody>
-          <a:bodyPr/>
-          <a:lstStyle/>
-          <a:p>
-            <a:r>
-              <a:rPr lang="en-US" b="1" dirty="0"/>
-              <a:t>Method</a:t>
-            </a:r>
-          </a:p>
-        </p:txBody>
-      </p:sp>
-      <p:sp>
-        <p:nvSpPr>
-          <p:cNvPr id="3" name="Content Placeholder 2">
-            <a:extLst>
-              <a:ext uri="{FF2B5EF4-FFF2-40B4-BE49-F238E27FC236}">
-                <a16:creationId xmlns:a16="http://schemas.microsoft.com/office/drawing/2014/main" id="{A047004E-2034-E550-C74E-F0F0388B815C}"/>
-              </a:ext>
-            </a:extLst>
-          </p:cNvPr>
-          <p:cNvSpPr>
-            <a:spLocks noGrp="1"/>
-          </p:cNvSpPr>
-          <p:nvPr>
-            <p:ph idx="1"/>
-          </p:nvPr>
-        </p:nvSpPr>
-        <p:spPr/>
-        <p:txBody>
-          <a:bodyPr/>
-          <a:lstStyle/>
-          <a:p>
-            <a:r>
-              <a:rPr lang="en-US" dirty="0"/>
-              <a:t>Analyze the dataset provided by </a:t>
-            </a:r>
-            <a:r>
-              <a:rPr lang="en-US" dirty="0" err="1"/>
-              <a:t>Colormasters</a:t>
-            </a:r>
-            <a:endParaRPr lang="en-US" dirty="0"/>
-          </a:p>
-          <a:p>
-            <a:r>
-              <a:rPr lang="en-US" dirty="0"/>
-              <a:t>Make observations of the data based on production time</a:t>
-            </a:r>
-          </a:p>
-          <a:p>
-            <a:r>
-              <a:rPr lang="en-US" dirty="0"/>
-              <a:t>Identify bottlenecks in the production process</a:t>
-            </a:r>
-          </a:p>
-          <a:p>
-            <a:r>
-              <a:rPr lang="en-US" dirty="0"/>
-              <a:t>Make recommendations based on our observations</a:t>
-            </a:r>
-          </a:p>
-          <a:p>
-            <a:endParaRPr lang="en-US" dirty="0"/>
-          </a:p>
-        </p:txBody>
-      </p:sp>
-    </p:spTree>
-    <p:extLst>
-      <p:ext uri="{BB962C8B-B14F-4D97-AF65-F5344CB8AC3E}">
-        <p14:creationId xmlns:p14="http://schemas.microsoft.com/office/powerpoint/2010/main" val="799536275"/>
-      </p:ext>
-    </p:extLst>
-  </p:cSld>
-  <p:clrMapOvr>
-    <a:masterClrMapping/>
-  </p:clrMapOvr>
-</p:sld>
-</file>
-
-<file path=ppt/slides/slide6.xml><?xml version="1.0" encoding="utf-8"?>
 <p:sld xmlns:a="http://schemas.openxmlformats.org/drawingml/2006/main" xmlns:r="http://schemas.openxmlformats.org/officeDocument/2006/relationships" xmlns:p="http://schemas.openxmlformats.org/presentationml/2006/main">
   <p:cSld>
     <p:bg>
@@ -4282,7 +4331,7 @@
         </p:nvSpPr>
         <p:spPr>
           <a:xfrm>
-            <a:off x="838200" y="1253331"/>
+            <a:off x="675640" y="1365091"/>
             <a:ext cx="10515600" cy="4351338"/>
           </a:xfrm>
           <a:prstGeom prst="rect">
@@ -4299,7 +4348,7 @@
           </a:bodyPr>
           <a:lstStyle/>
           <a:p>
-            <a:pPr marL="0" lvl="0" indent="0" algn="l" rtl="0">
+            <a:pPr marL="0" lvl="0" indent="0" algn="ctr" rtl="0">
               <a:lnSpc>
                 <a:spcPct val="100000"/>
               </a:lnSpc>
@@ -4343,7 +4392,7 @@
 </p:sld>
 </file>
 
-<file path=ppt/slides/slide7.xml><?xml version="1.0" encoding="utf-8"?>
+<file path=ppt/slides/slide6.xml><?xml version="1.0" encoding="utf-8"?>
 <p:sld xmlns:a="http://schemas.openxmlformats.org/drawingml/2006/main" xmlns:r="http://schemas.openxmlformats.org/officeDocument/2006/relationships" xmlns:p="http://schemas.openxmlformats.org/presentationml/2006/main">
   <p:cSld>
     <p:spTree>
@@ -4366,12 +4415,51 @@
           <a:chExt cx="0" cy="0"/>
         </a:xfrm>
       </p:grpSpPr>
+      <p:sp>
+        <p:nvSpPr>
+          <p:cNvPr id="4" name="TextBox 3">
+            <a:extLst>
+              <a:ext uri="{FF2B5EF4-FFF2-40B4-BE49-F238E27FC236}">
+                <a16:creationId xmlns:a16="http://schemas.microsoft.com/office/drawing/2014/main" id="{C9E0E29E-A415-F930-2165-3355C71F81C5}"/>
+              </a:ext>
+            </a:extLst>
+          </p:cNvPr>
+          <p:cNvSpPr txBox="1"/>
+          <p:nvPr/>
+        </p:nvSpPr>
+        <p:spPr>
+          <a:xfrm>
+            <a:off x="2885439" y="6127376"/>
+            <a:ext cx="6421120" cy="646331"/>
+          </a:xfrm>
+          <a:prstGeom prst="rect">
+            <a:avLst/>
+          </a:prstGeom>
+          <a:noFill/>
+        </p:spPr>
+        <p:txBody>
+          <a:bodyPr wrap="square" rtlCol="0">
+            <a:spAutoFit/>
+          </a:bodyPr>
+          <a:lstStyle/>
+          <a:p>
+            <a:pPr algn="ctr"/>
+            <a:r>
+              <a:rPr lang="en-US" b="1" dirty="0"/>
+              <a:t>Smaller shank sizes lead to higher average time to manufacture</a:t>
+            </a:r>
+          </a:p>
+          <a:p>
+            <a:endParaRPr lang="en-US" b="1" dirty="0"/>
+          </a:p>
+        </p:txBody>
+      </p:sp>
       <p:pic>
         <p:nvPicPr>
-          <p:cNvPr id="7" name="Picture 6">
+          <p:cNvPr id="6" name="Picture 5">
             <a:extLst>
               <a:ext uri="{FF2B5EF4-FFF2-40B4-BE49-F238E27FC236}">
-                <a16:creationId xmlns:a16="http://schemas.microsoft.com/office/drawing/2014/main" id="{5A36C3AE-6CA8-B2CF-3FFA-358285B9ACD1}"/>
+                <a16:creationId xmlns:a16="http://schemas.microsoft.com/office/drawing/2014/main" id="{E420D092-AC95-23CB-0F1F-70273624F080}"/>
               </a:ext>
             </a:extLst>
           </p:cNvPr>
@@ -4381,20 +4469,15 @@
           <p:nvPr/>
         </p:nvPicPr>
         <p:blipFill>
-          <a:blip r:embed="rId2">
-            <a:extLst>
-              <a:ext uri="{28A0092B-C50C-407E-A947-70E740481C1C}">
-                <a14:useLocalDpi xmlns:a14="http://schemas.microsoft.com/office/drawing/2010/main" val="0"/>
-              </a:ext>
-            </a:extLst>
-          </a:blip>
-          <a:srcRect/>
-          <a:stretch/>
+          <a:blip r:embed="rId2"/>
+          <a:stretch>
+            <a:fillRect/>
+          </a:stretch>
         </p:blipFill>
         <p:spPr>
           <a:xfrm>
-            <a:off x="1117600" y="-21128"/>
-            <a:ext cx="9926313" cy="6879128"/>
+            <a:off x="1276124" y="0"/>
+            <a:ext cx="9639751" cy="5960907"/>
           </a:xfrm>
           <a:prstGeom prst="rect">
             <a:avLst/>
@@ -4414,7 +4497,7 @@
 </p:sld>
 </file>
 
-<file path=ppt/slides/slide8.xml><?xml version="1.0" encoding="utf-8"?>
+<file path=ppt/slides/slide7.xml><?xml version="1.0" encoding="utf-8"?>
 <p:sld xmlns:a="http://schemas.openxmlformats.org/drawingml/2006/main" xmlns:r="http://schemas.openxmlformats.org/officeDocument/2006/relationships" xmlns:p="http://schemas.openxmlformats.org/presentationml/2006/main">
   <p:cSld>
     <p:bg>
@@ -4483,7 +4566,7 @@
           </a:bodyPr>
           <a:lstStyle/>
           <a:p>
-            <a:pPr marL="0" lvl="0" indent="0" algn="l" rtl="0">
+            <a:pPr marL="0" lvl="0" indent="0" algn="ctr" rtl="0">
               <a:lnSpc>
                 <a:spcPct val="100000"/>
               </a:lnSpc>
@@ -4527,7 +4610,7 @@
 </p:sld>
 </file>
 
-<file path=ppt/slides/slide9.xml><?xml version="1.0" encoding="utf-8"?>
+<file path=ppt/slides/slide8.xml><?xml version="1.0" encoding="utf-8"?>
 <p:sld xmlns:a="http://schemas.openxmlformats.org/drawingml/2006/main" xmlns:r="http://schemas.openxmlformats.org/officeDocument/2006/relationships" xmlns:p="http://schemas.openxmlformats.org/presentationml/2006/main">
   <p:cSld>
     <p:spTree>
@@ -4578,18 +4661,168 @@
         </p:blipFill>
         <p:spPr>
           <a:xfrm>
-            <a:off x="986971" y="303926"/>
-            <a:ext cx="10714928" cy="6554074"/>
+            <a:off x="1328193" y="303926"/>
+            <a:ext cx="9535613" cy="5832714"/>
           </a:xfrm>
           <a:prstGeom prst="rect">
             <a:avLst/>
           </a:prstGeom>
         </p:spPr>
       </p:pic>
+      <p:sp>
+        <p:nvSpPr>
+          <p:cNvPr id="2" name="TextBox 1">
+            <a:extLst>
+              <a:ext uri="{FF2B5EF4-FFF2-40B4-BE49-F238E27FC236}">
+                <a16:creationId xmlns:a16="http://schemas.microsoft.com/office/drawing/2014/main" id="{8448FAB3-68C7-BF31-2555-2EB693843811}"/>
+              </a:ext>
+            </a:extLst>
+          </p:cNvPr>
+          <p:cNvSpPr txBox="1"/>
+          <p:nvPr/>
+        </p:nvSpPr>
+        <p:spPr>
+          <a:xfrm>
+            <a:off x="1328193" y="6207760"/>
+            <a:ext cx="9535614" cy="646331"/>
+          </a:xfrm>
+          <a:prstGeom prst="rect">
+            <a:avLst/>
+          </a:prstGeom>
+          <a:noFill/>
+        </p:spPr>
+        <p:txBody>
+          <a:bodyPr wrap="square" rtlCol="0">
+            <a:spAutoFit/>
+          </a:bodyPr>
+          <a:lstStyle/>
+          <a:p>
+            <a:pPr algn="ctr"/>
+            <a:r>
+              <a:rPr lang="en-US" b="1" dirty="0"/>
+              <a:t>Christmas and Valentine's Day are some of the busiest times in the jewelry industry. We can see a spike in the number of pieces due just before these holidays are observed.</a:t>
+            </a:r>
+            <a:endParaRPr lang="en-US" dirty="0"/>
+          </a:p>
+        </p:txBody>
+      </p:sp>
     </p:spTree>
     <p:extLst>
       <p:ext uri="{BB962C8B-B14F-4D97-AF65-F5344CB8AC3E}">
         <p14:creationId xmlns:p14="http://schemas.microsoft.com/office/powerpoint/2010/main" val="2868919287"/>
+      </p:ext>
+    </p:extLst>
+  </p:cSld>
+  <p:clrMapOvr>
+    <a:masterClrMapping/>
+  </p:clrMapOvr>
+</p:sld>
+</file>
+
+<file path=ppt/slides/slide9.xml><?xml version="1.0" encoding="utf-8"?>
+<p:sld xmlns:a="http://schemas.openxmlformats.org/drawingml/2006/main" xmlns:r="http://schemas.openxmlformats.org/officeDocument/2006/relationships" xmlns:p="http://schemas.openxmlformats.org/presentationml/2006/main">
+  <p:cSld>
+    <p:bg>
+      <p:bgPr>
+        <a:solidFill>
+          <a:schemeClr val="accent6">
+            <a:lumMod val="40000"/>
+            <a:lumOff val="60000"/>
+          </a:schemeClr>
+        </a:solidFill>
+        <a:effectLst/>
+      </p:bgPr>
+    </p:bg>
+    <p:spTree>
+      <p:nvGrpSpPr>
+        <p:cNvPr id="1" name="">
+          <a:extLst>
+            <a:ext uri="{FF2B5EF4-FFF2-40B4-BE49-F238E27FC236}">
+              <a16:creationId xmlns:a16="http://schemas.microsoft.com/office/drawing/2014/main" id="{AA2C65F4-76C5-91B8-531B-32A6B2FB854A}"/>
+            </a:ext>
+          </a:extLst>
+        </p:cNvPr>
+        <p:cNvGrpSpPr/>
+        <p:nvPr/>
+      </p:nvGrpSpPr>
+      <p:grpSpPr>
+        <a:xfrm>
+          <a:off x="0" y="0"/>
+          <a:ext cx="0" cy="0"/>
+          <a:chOff x="0" y="0"/>
+          <a:chExt cx="0" cy="0"/>
+        </a:xfrm>
+      </p:grpSpPr>
+      <p:sp>
+        <p:nvSpPr>
+          <p:cNvPr id="4" name="Google Shape;343;p52">
+            <a:extLst>
+              <a:ext uri="{FF2B5EF4-FFF2-40B4-BE49-F238E27FC236}">
+                <a16:creationId xmlns:a16="http://schemas.microsoft.com/office/drawing/2014/main" id="{7C30C0F0-72EB-AF8B-5429-4E474941500D}"/>
+              </a:ext>
+            </a:extLst>
+          </p:cNvPr>
+          <p:cNvSpPr txBox="1">
+            <a:spLocks noGrp="1"/>
+          </p:cNvSpPr>
+          <p:nvPr>
+            <p:ph idx="1"/>
+          </p:nvPr>
+        </p:nvSpPr>
+        <p:spPr>
+          <a:xfrm>
+            <a:off x="838200" y="1253331"/>
+            <a:ext cx="10515600" cy="4351338"/>
+          </a:xfrm>
+          <a:prstGeom prst="rect">
+            <a:avLst/>
+          </a:prstGeom>
+          <a:noFill/>
+          <a:ln>
+            <a:noFill/>
+          </a:ln>
+        </p:spPr>
+        <p:txBody>
+          <a:bodyPr spcFirstLastPara="1" wrap="square" lIns="91425" tIns="91425" rIns="91425" bIns="91425" anchor="ctr" anchorCtr="0">
+            <a:noAutofit/>
+          </a:bodyPr>
+          <a:lstStyle/>
+          <a:p>
+            <a:pPr marL="0" lvl="0" indent="0" algn="ctr" rtl="0">
+              <a:lnSpc>
+                <a:spcPct val="100000"/>
+              </a:lnSpc>
+              <a:spcBef>
+                <a:spcPts val="0"/>
+              </a:spcBef>
+              <a:spcAft>
+                <a:spcPts val="0"/>
+              </a:spcAft>
+              <a:buSzPts val="2600"/>
+              <a:buNone/>
+            </a:pPr>
+            <a:r>
+              <a:rPr lang="en-US" sz="3300" dirty="0">
+                <a:latin typeface="Lato Black"/>
+                <a:ea typeface="Lato Black"/>
+                <a:cs typeface="Lato Black"/>
+                <a:sym typeface="Lato Black"/>
+              </a:rPr>
+              <a:t>Observations of Factory Locations</a:t>
+            </a:r>
+            <a:endParaRPr lang="en-US" sz="3300" dirty="0">
+              <a:latin typeface="Lato"/>
+              <a:ea typeface="Lato"/>
+              <a:cs typeface="Lato"/>
+              <a:sym typeface="Lato"/>
+            </a:endParaRPr>
+          </a:p>
+        </p:txBody>
+      </p:sp>
+    </p:spTree>
+    <p:extLst>
+      <p:ext uri="{BB962C8B-B14F-4D97-AF65-F5344CB8AC3E}">
+        <p14:creationId xmlns:p14="http://schemas.microsoft.com/office/powerpoint/2010/main" val="1769042485"/>
       </p:ext>
     </p:extLst>
   </p:cSld>

--- a/CSI Data Analytics Bootcamp Capstone.pptx
+++ b/CSI Data Analytics Bootcamp Capstone.pptx
@@ -9,16 +9,13 @@
     <p:sldId id="280" r:id="rId3"/>
     <p:sldId id="257" r:id="rId4"/>
     <p:sldId id="275" r:id="rId5"/>
-    <p:sldId id="259" r:id="rId6"/>
-    <p:sldId id="268" r:id="rId7"/>
-    <p:sldId id="278" r:id="rId8"/>
-    <p:sldId id="274" r:id="rId9"/>
-    <p:sldId id="279" r:id="rId10"/>
-    <p:sldId id="273" r:id="rId11"/>
-    <p:sldId id="272" r:id="rId12"/>
-    <p:sldId id="270" r:id="rId13"/>
-    <p:sldId id="271" r:id="rId14"/>
-    <p:sldId id="262" r:id="rId15"/>
+    <p:sldId id="268" r:id="rId6"/>
+    <p:sldId id="274" r:id="rId7"/>
+    <p:sldId id="273" r:id="rId8"/>
+    <p:sldId id="272" r:id="rId9"/>
+    <p:sldId id="270" r:id="rId10"/>
+    <p:sldId id="271" r:id="rId11"/>
+    <p:sldId id="262" r:id="rId12"/>
   </p:sldIdLst>
   <p:sldSz cx="12192000" cy="6858000"/>
   <p:notesSz cx="6858000" cy="9144000"/>
@@ -256,7 +253,7 @@
           <a:p>
             <a:fld id="{D51891BF-ACAD-42FE-9EE4-A4A713D66CC1}" type="datetimeFigureOut">
               <a:rPr lang="en-US" smtClean="0"/>
-              <a:t>2/25/2025</a:t>
+              <a:t>2/26/2025</a:t>
             </a:fld>
             <a:endParaRPr lang="en-US"/>
           </a:p>
@@ -426,7 +423,7 @@
           <a:p>
             <a:fld id="{D51891BF-ACAD-42FE-9EE4-A4A713D66CC1}" type="datetimeFigureOut">
               <a:rPr lang="en-US" smtClean="0"/>
-              <a:t>2/25/2025</a:t>
+              <a:t>2/26/2025</a:t>
             </a:fld>
             <a:endParaRPr lang="en-US"/>
           </a:p>
@@ -606,7 +603,7 @@
           <a:p>
             <a:fld id="{D51891BF-ACAD-42FE-9EE4-A4A713D66CC1}" type="datetimeFigureOut">
               <a:rPr lang="en-US" smtClean="0"/>
-              <a:t>2/25/2025</a:t>
+              <a:t>2/26/2025</a:t>
             </a:fld>
             <a:endParaRPr lang="en-US"/>
           </a:p>
@@ -776,7 +773,7 @@
           <a:p>
             <a:fld id="{D51891BF-ACAD-42FE-9EE4-A4A713D66CC1}" type="datetimeFigureOut">
               <a:rPr lang="en-US" smtClean="0"/>
-              <a:t>2/25/2025</a:t>
+              <a:t>2/26/2025</a:t>
             </a:fld>
             <a:endParaRPr lang="en-US"/>
           </a:p>
@@ -1022,7 +1019,7 @@
           <a:p>
             <a:fld id="{D51891BF-ACAD-42FE-9EE4-A4A713D66CC1}" type="datetimeFigureOut">
               <a:rPr lang="en-US" smtClean="0"/>
-              <a:t>2/25/2025</a:t>
+              <a:t>2/26/2025</a:t>
             </a:fld>
             <a:endParaRPr lang="en-US"/>
           </a:p>
@@ -1254,7 +1251,7 @@
           <a:p>
             <a:fld id="{D51891BF-ACAD-42FE-9EE4-A4A713D66CC1}" type="datetimeFigureOut">
               <a:rPr lang="en-US" smtClean="0"/>
-              <a:t>2/25/2025</a:t>
+              <a:t>2/26/2025</a:t>
             </a:fld>
             <a:endParaRPr lang="en-US"/>
           </a:p>
@@ -1621,7 +1618,7 @@
           <a:p>
             <a:fld id="{D51891BF-ACAD-42FE-9EE4-A4A713D66CC1}" type="datetimeFigureOut">
               <a:rPr lang="en-US" smtClean="0"/>
-              <a:t>2/25/2025</a:t>
+              <a:t>2/26/2025</a:t>
             </a:fld>
             <a:endParaRPr lang="en-US"/>
           </a:p>
@@ -1739,7 +1736,7 @@
           <a:p>
             <a:fld id="{D51891BF-ACAD-42FE-9EE4-A4A713D66CC1}" type="datetimeFigureOut">
               <a:rPr lang="en-US" smtClean="0"/>
-              <a:t>2/25/2025</a:t>
+              <a:t>2/26/2025</a:t>
             </a:fld>
             <a:endParaRPr lang="en-US"/>
           </a:p>
@@ -1834,7 +1831,7 @@
           <a:p>
             <a:fld id="{D51891BF-ACAD-42FE-9EE4-A4A713D66CC1}" type="datetimeFigureOut">
               <a:rPr lang="en-US" smtClean="0"/>
-              <a:t>2/25/2025</a:t>
+              <a:t>2/26/2025</a:t>
             </a:fld>
             <a:endParaRPr lang="en-US"/>
           </a:p>
@@ -2111,7 +2108,7 @@
           <a:p>
             <a:fld id="{D51891BF-ACAD-42FE-9EE4-A4A713D66CC1}" type="datetimeFigureOut">
               <a:rPr lang="en-US" smtClean="0"/>
-              <a:t>2/25/2025</a:t>
+              <a:t>2/26/2025</a:t>
             </a:fld>
             <a:endParaRPr lang="en-US"/>
           </a:p>
@@ -2368,7 +2365,7 @@
           <a:p>
             <a:fld id="{D51891BF-ACAD-42FE-9EE4-A4A713D66CC1}" type="datetimeFigureOut">
               <a:rPr lang="en-US" smtClean="0"/>
-              <a:t>2/25/2025</a:t>
+              <a:t>2/26/2025</a:t>
             </a:fld>
             <a:endParaRPr lang="en-US"/>
           </a:p>
@@ -2581,7 +2578,7 @@
           <a:p>
             <a:fld id="{D51891BF-ACAD-42FE-9EE4-A4A713D66CC1}" type="datetimeFigureOut">
               <a:rPr lang="en-US" smtClean="0"/>
-              <a:t>2/25/2025</a:t>
+              <a:t>2/26/2025</a:t>
             </a:fld>
             <a:endParaRPr lang="en-US"/>
           </a:p>
@@ -3250,319 +3247,6 @@
 <file path=ppt/slides/slide10.xml><?xml version="1.0" encoding="utf-8"?>
 <p:sld xmlns:a="http://schemas.openxmlformats.org/drawingml/2006/main" xmlns:r="http://schemas.openxmlformats.org/officeDocument/2006/relationships" xmlns:p="http://schemas.openxmlformats.org/presentationml/2006/main">
   <p:cSld>
-    <p:spTree>
-      <p:nvGrpSpPr>
-        <p:cNvPr id="1" name="">
-          <a:extLst>
-            <a:ext uri="{FF2B5EF4-FFF2-40B4-BE49-F238E27FC236}">
-              <a16:creationId xmlns:a16="http://schemas.microsoft.com/office/drawing/2014/main" id="{861EAD38-8D0C-638B-BC0E-3E36AF70FFC1}"/>
-            </a:ext>
-          </a:extLst>
-        </p:cNvPr>
-        <p:cNvGrpSpPr/>
-        <p:nvPr/>
-      </p:nvGrpSpPr>
-      <p:grpSpPr>
-        <a:xfrm>
-          <a:off x="0" y="0"/>
-          <a:ext cx="0" cy="0"/>
-          <a:chOff x="0" y="0"/>
-          <a:chExt cx="0" cy="0"/>
-        </a:xfrm>
-      </p:grpSpPr>
-      <p:pic>
-        <p:nvPicPr>
-          <p:cNvPr id="5" name="Content Placeholder 4" descr="A graph of different points&#10;&#10;AI-generated content may be incorrect.">
-            <a:extLst>
-              <a:ext uri="{FF2B5EF4-FFF2-40B4-BE49-F238E27FC236}">
-                <a16:creationId xmlns:a16="http://schemas.microsoft.com/office/drawing/2014/main" id="{2693D067-98A3-AA4A-854C-23059B1DE6F1}"/>
-              </a:ext>
-            </a:extLst>
-          </p:cNvPr>
-          <p:cNvPicPr>
-            <a:picLocks noGrp="1" noChangeAspect="1"/>
-          </p:cNvPicPr>
-          <p:nvPr>
-            <p:ph idx="1"/>
-          </p:nvPr>
-        </p:nvPicPr>
-        <p:blipFill>
-          <a:blip r:embed="rId2">
-            <a:extLst>
-              <a:ext uri="{28A0092B-C50C-407E-A947-70E740481C1C}">
-                <a14:useLocalDpi xmlns:a14="http://schemas.microsoft.com/office/drawing/2010/main" val="0"/>
-              </a:ext>
-            </a:extLst>
-          </a:blip>
-          <a:stretch>
-            <a:fillRect/>
-          </a:stretch>
-        </p:blipFill>
-        <p:spPr>
-          <a:xfrm>
-            <a:off x="3120572" y="27215"/>
-            <a:ext cx="9071428" cy="6803570"/>
-          </a:xfrm>
-        </p:spPr>
-      </p:pic>
-      <p:sp>
-        <p:nvSpPr>
-          <p:cNvPr id="2" name="TextBox 1">
-            <a:extLst>
-              <a:ext uri="{FF2B5EF4-FFF2-40B4-BE49-F238E27FC236}">
-                <a16:creationId xmlns:a16="http://schemas.microsoft.com/office/drawing/2014/main" id="{7A56B65C-328F-1D7E-E127-CA31780A7CE8}"/>
-              </a:ext>
-            </a:extLst>
-          </p:cNvPr>
-          <p:cNvSpPr txBox="1"/>
-          <p:nvPr/>
-        </p:nvSpPr>
-        <p:spPr>
-          <a:xfrm>
-            <a:off x="0" y="1997839"/>
-            <a:ext cx="3241040" cy="2862322"/>
-          </a:xfrm>
-          <a:prstGeom prst="rect">
-            <a:avLst/>
-          </a:prstGeom>
-          <a:noFill/>
-        </p:spPr>
-        <p:txBody>
-          <a:bodyPr wrap="square" rtlCol="0">
-            <a:spAutoFit/>
-          </a:bodyPr>
-          <a:lstStyle/>
-          <a:p>
-            <a:pPr marL="285750" indent="-285750">
-              <a:buFont typeface="Wingdings" panose="05000000000000000000" pitchFamily="2" charset="2"/>
-              <a:buChar char="§"/>
-            </a:pPr>
-            <a:r>
-              <a:rPr lang="en-US" dirty="0"/>
-              <a:t>Items with more locations visited do not necessarily have longer production times.</a:t>
-            </a:r>
-          </a:p>
-          <a:p>
-            <a:endParaRPr lang="en-US" dirty="0"/>
-          </a:p>
-          <a:p>
-            <a:pPr marL="285750" indent="-285750">
-              <a:buFont typeface="Wingdings" panose="05000000000000000000" pitchFamily="2" charset="2"/>
-              <a:buChar char="§"/>
-            </a:pPr>
-            <a:r>
-              <a:rPr lang="en-US" dirty="0"/>
-              <a:t>While the extreme values can have significantly more locations visited, it is not the root cause of their longer production timespan</a:t>
-            </a:r>
-          </a:p>
-        </p:txBody>
-      </p:sp>
-    </p:spTree>
-    <p:extLst>
-      <p:ext uri="{BB962C8B-B14F-4D97-AF65-F5344CB8AC3E}">
-        <p14:creationId xmlns:p14="http://schemas.microsoft.com/office/powerpoint/2010/main" val="2095369927"/>
-      </p:ext>
-    </p:extLst>
-  </p:cSld>
-  <p:clrMapOvr>
-    <a:masterClrMapping/>
-  </p:clrMapOvr>
-</p:sld>
-</file>
-
-<file path=ppt/slides/slide11.xml><?xml version="1.0" encoding="utf-8"?>
-<p:sld xmlns:a="http://schemas.openxmlformats.org/drawingml/2006/main" xmlns:r="http://schemas.openxmlformats.org/officeDocument/2006/relationships" xmlns:p="http://schemas.openxmlformats.org/presentationml/2006/main">
-  <p:cSld>
-    <p:spTree>
-      <p:nvGrpSpPr>
-        <p:cNvPr id="1" name="">
-          <a:extLst>
-            <a:ext uri="{FF2B5EF4-FFF2-40B4-BE49-F238E27FC236}">
-              <a16:creationId xmlns:a16="http://schemas.microsoft.com/office/drawing/2014/main" id="{E1328DB0-33F4-7903-D3B0-47599DDDD6CE}"/>
-            </a:ext>
-          </a:extLst>
-        </p:cNvPr>
-        <p:cNvGrpSpPr/>
-        <p:nvPr/>
-      </p:nvGrpSpPr>
-      <p:grpSpPr>
-        <a:xfrm>
-          <a:off x="0" y="0"/>
-          <a:ext cx="0" cy="0"/>
-          <a:chOff x="0" y="0"/>
-          <a:chExt cx="0" cy="0"/>
-        </a:xfrm>
-      </p:grpSpPr>
-      <p:pic>
-        <p:nvPicPr>
-          <p:cNvPr id="6" name="Picture 5">
-            <a:extLst>
-              <a:ext uri="{FF2B5EF4-FFF2-40B4-BE49-F238E27FC236}">
-                <a16:creationId xmlns:a16="http://schemas.microsoft.com/office/drawing/2014/main" id="{1D280D4A-37DD-2458-E30C-D8445789A0A6}"/>
-              </a:ext>
-            </a:extLst>
-          </p:cNvPr>
-          <p:cNvPicPr>
-            <a:picLocks noChangeAspect="1"/>
-          </p:cNvPicPr>
-          <p:nvPr/>
-        </p:nvPicPr>
-        <p:blipFill>
-          <a:blip r:embed="rId2"/>
-          <a:stretch>
-            <a:fillRect/>
-          </a:stretch>
-        </p:blipFill>
-        <p:spPr>
-          <a:xfrm>
-            <a:off x="275967" y="0"/>
-            <a:ext cx="11640065" cy="6858000"/>
-          </a:xfrm>
-          <a:prstGeom prst="rect">
-            <a:avLst/>
-          </a:prstGeom>
-        </p:spPr>
-      </p:pic>
-    </p:spTree>
-    <p:extLst>
-      <p:ext uri="{BB962C8B-B14F-4D97-AF65-F5344CB8AC3E}">
-        <p14:creationId xmlns:p14="http://schemas.microsoft.com/office/powerpoint/2010/main" val="2185388861"/>
-      </p:ext>
-    </p:extLst>
-  </p:cSld>
-  <p:clrMapOvr>
-    <a:masterClrMapping/>
-  </p:clrMapOvr>
-</p:sld>
-</file>
-
-<file path=ppt/slides/slide12.xml><?xml version="1.0" encoding="utf-8"?>
-<p:sld xmlns:a="http://schemas.openxmlformats.org/drawingml/2006/main" xmlns:r="http://schemas.openxmlformats.org/officeDocument/2006/relationships" xmlns:p="http://schemas.openxmlformats.org/presentationml/2006/main">
-  <p:cSld>
-    <p:spTree>
-      <p:nvGrpSpPr>
-        <p:cNvPr id="1" name="">
-          <a:extLst>
-            <a:ext uri="{FF2B5EF4-FFF2-40B4-BE49-F238E27FC236}">
-              <a16:creationId xmlns:a16="http://schemas.microsoft.com/office/drawing/2014/main" id="{21FD4933-963E-CF1B-BD86-FED09CF1D715}"/>
-            </a:ext>
-          </a:extLst>
-        </p:cNvPr>
-        <p:cNvGrpSpPr/>
-        <p:nvPr/>
-      </p:nvGrpSpPr>
-      <p:grpSpPr>
-        <a:xfrm>
-          <a:off x="0" y="0"/>
-          <a:ext cx="0" cy="0"/>
-          <a:chOff x="0" y="0"/>
-          <a:chExt cx="0" cy="0"/>
-        </a:xfrm>
-      </p:grpSpPr>
-      <p:pic>
-        <p:nvPicPr>
-          <p:cNvPr id="9" name="Picture 8" descr="A graph showing a number of blue triangles&#10;&#10;AI-generated content may be incorrect.">
-            <a:extLst>
-              <a:ext uri="{FF2B5EF4-FFF2-40B4-BE49-F238E27FC236}">
-                <a16:creationId xmlns:a16="http://schemas.microsoft.com/office/drawing/2014/main" id="{FF0ADCD9-E343-C0BB-7DF4-04D982163CE8}"/>
-              </a:ext>
-            </a:extLst>
-          </p:cNvPr>
-          <p:cNvPicPr>
-            <a:picLocks noChangeAspect="1"/>
-          </p:cNvPicPr>
-          <p:nvPr/>
-        </p:nvPicPr>
-        <p:blipFill>
-          <a:blip r:embed="rId2">
-            <a:extLst>
-              <a:ext uri="{28A0092B-C50C-407E-A947-70E740481C1C}">
-                <a14:useLocalDpi xmlns:a14="http://schemas.microsoft.com/office/drawing/2010/main" val="0"/>
-              </a:ext>
-            </a:extLst>
-          </a:blip>
-          <a:stretch>
-            <a:fillRect/>
-          </a:stretch>
-        </p:blipFill>
-        <p:spPr>
-          <a:xfrm>
-            <a:off x="3047831" y="278573"/>
-            <a:ext cx="9144169" cy="6300854"/>
-          </a:xfrm>
-          <a:prstGeom prst="rect">
-            <a:avLst/>
-          </a:prstGeom>
-        </p:spPr>
-      </p:pic>
-      <p:sp>
-        <p:nvSpPr>
-          <p:cNvPr id="5" name="TextBox 4">
-            <a:extLst>
-              <a:ext uri="{FF2B5EF4-FFF2-40B4-BE49-F238E27FC236}">
-                <a16:creationId xmlns:a16="http://schemas.microsoft.com/office/drawing/2014/main" id="{33B38D8F-0514-799E-9035-A69CBE692316}"/>
-              </a:ext>
-            </a:extLst>
-          </p:cNvPr>
-          <p:cNvSpPr txBox="1"/>
-          <p:nvPr/>
-        </p:nvSpPr>
-        <p:spPr>
-          <a:xfrm>
-            <a:off x="0" y="2136338"/>
-            <a:ext cx="2834640" cy="2308324"/>
-          </a:xfrm>
-          <a:prstGeom prst="rect">
-            <a:avLst/>
-          </a:prstGeom>
-          <a:noFill/>
-        </p:spPr>
-        <p:txBody>
-          <a:bodyPr wrap="square">
-            <a:spAutoFit/>
-          </a:bodyPr>
-          <a:lstStyle/>
-          <a:p>
-            <a:pPr marL="285750" indent="-285750">
-              <a:buFont typeface="Wingdings" panose="05000000000000000000" pitchFamily="2" charset="2"/>
-              <a:buChar char="§"/>
-            </a:pPr>
-            <a:r>
-              <a:rPr lang="en-US" dirty="0"/>
-              <a:t>Items stay in a holding location until they are ready to be passed off to a jeweler</a:t>
-            </a:r>
-          </a:p>
-          <a:p>
-            <a:endParaRPr lang="en-US" dirty="0"/>
-          </a:p>
-          <a:p>
-            <a:pPr marL="285750" indent="-285750">
-              <a:buFont typeface="Wingdings" panose="05000000000000000000" pitchFamily="2" charset="2"/>
-              <a:buChar char="§"/>
-            </a:pPr>
-            <a:r>
-              <a:rPr lang="en-US" dirty="0"/>
-              <a:t>We see that this location has a spike in outbound volume near the holidays</a:t>
-            </a:r>
-          </a:p>
-        </p:txBody>
-      </p:sp>
-    </p:spTree>
-    <p:extLst>
-      <p:ext uri="{BB962C8B-B14F-4D97-AF65-F5344CB8AC3E}">
-        <p14:creationId xmlns:p14="http://schemas.microsoft.com/office/powerpoint/2010/main" val="2317049187"/>
-      </p:ext>
-    </p:extLst>
-  </p:cSld>
-  <p:clrMapOvr>
-    <a:masterClrMapping/>
-  </p:clrMapOvr>
-</p:sld>
-</file>
-
-<file path=ppt/slides/slide13.xml><?xml version="1.0" encoding="utf-8"?>
-<p:sld xmlns:a="http://schemas.openxmlformats.org/drawingml/2006/main" xmlns:r="http://schemas.openxmlformats.org/officeDocument/2006/relationships" xmlns:p="http://schemas.openxmlformats.org/presentationml/2006/main">
-  <p:cSld>
     <p:bg>
       <p:bgPr>
         <a:solidFill>
@@ -3731,7 +3415,7 @@
 </p:sld>
 </file>
 
-<file path=ppt/slides/slide14.xml><?xml version="1.0" encoding="utf-8"?>
+<file path=ppt/slides/slide11.xml><?xml version="1.0" encoding="utf-8"?>
 <p:sld xmlns:a="http://schemas.openxmlformats.org/drawingml/2006/main" xmlns:r="http://schemas.openxmlformats.org/officeDocument/2006/relationships" xmlns:p="http://schemas.openxmlformats.org/presentationml/2006/main">
   <p:cSld>
     <p:bg>
@@ -3897,7 +3581,7 @@
           <a:p>
             <a:r>
               <a:rPr lang="en-US" b="1" dirty="0"/>
-              <a:t>Data Cleaning and Aggregation</a:t>
+              <a:t>The Data</a:t>
             </a:r>
           </a:p>
         </p:txBody>
@@ -4288,113 +3972,6 @@
 <file path=ppt/slides/slide5.xml><?xml version="1.0" encoding="utf-8"?>
 <p:sld xmlns:a="http://schemas.openxmlformats.org/drawingml/2006/main" xmlns:r="http://schemas.openxmlformats.org/officeDocument/2006/relationships" xmlns:p="http://schemas.openxmlformats.org/presentationml/2006/main">
   <p:cSld>
-    <p:bg>
-      <p:bgPr>
-        <a:solidFill>
-          <a:schemeClr val="accent6">
-            <a:lumMod val="40000"/>
-            <a:lumOff val="60000"/>
-          </a:schemeClr>
-        </a:solidFill>
-        <a:effectLst/>
-      </p:bgPr>
-    </p:bg>
-    <p:spTree>
-      <p:nvGrpSpPr>
-        <p:cNvPr id="1" name=""/>
-        <p:cNvGrpSpPr/>
-        <p:nvPr/>
-      </p:nvGrpSpPr>
-      <p:grpSpPr>
-        <a:xfrm>
-          <a:off x="0" y="0"/>
-          <a:ext cx="0" cy="0"/>
-          <a:chOff x="0" y="0"/>
-          <a:chExt cx="0" cy="0"/>
-        </a:xfrm>
-      </p:grpSpPr>
-      <p:sp>
-        <p:nvSpPr>
-          <p:cNvPr id="4" name="Google Shape;343;p52">
-            <a:extLst>
-              <a:ext uri="{FF2B5EF4-FFF2-40B4-BE49-F238E27FC236}">
-                <a16:creationId xmlns:a16="http://schemas.microsoft.com/office/drawing/2014/main" id="{D0E1DB13-5896-4E14-2B9E-7BCF58F6D672}"/>
-              </a:ext>
-            </a:extLst>
-          </p:cNvPr>
-          <p:cNvSpPr txBox="1">
-            <a:spLocks noGrp="1"/>
-          </p:cNvSpPr>
-          <p:nvPr>
-            <p:ph idx="1"/>
-          </p:nvPr>
-        </p:nvSpPr>
-        <p:spPr>
-          <a:xfrm>
-            <a:off x="675640" y="1365091"/>
-            <a:ext cx="10515600" cy="4351338"/>
-          </a:xfrm>
-          <a:prstGeom prst="rect">
-            <a:avLst/>
-          </a:prstGeom>
-          <a:noFill/>
-          <a:ln>
-            <a:noFill/>
-          </a:ln>
-        </p:spPr>
-        <p:txBody>
-          <a:bodyPr spcFirstLastPara="1" wrap="square" lIns="91425" tIns="91425" rIns="91425" bIns="91425" anchor="ctr" anchorCtr="0">
-            <a:noAutofit/>
-          </a:bodyPr>
-          <a:lstStyle/>
-          <a:p>
-            <a:pPr marL="0" lvl="0" indent="0" algn="ctr" rtl="0">
-              <a:lnSpc>
-                <a:spcPct val="100000"/>
-              </a:lnSpc>
-              <a:spcBef>
-                <a:spcPts val="0"/>
-              </a:spcBef>
-              <a:spcAft>
-                <a:spcPts val="0"/>
-              </a:spcAft>
-              <a:buSzPts val="2600"/>
-              <a:buNone/>
-            </a:pPr>
-            <a:r>
-              <a:rPr lang="en-US" sz="3300" dirty="0">
-                <a:latin typeface="Lato Black"/>
-                <a:ea typeface="Lato Black"/>
-                <a:cs typeface="Lato Black"/>
-                <a:sym typeface="Lato Black"/>
-              </a:rPr>
-              <a:t>Observations of Shank Size</a:t>
-            </a:r>
-            <a:endParaRPr lang="en-US" sz="3300" dirty="0">
-              <a:latin typeface="Lato"/>
-              <a:ea typeface="Lato"/>
-              <a:cs typeface="Lato"/>
-              <a:sym typeface="Lato"/>
-            </a:endParaRPr>
-          </a:p>
-        </p:txBody>
-      </p:sp>
-    </p:spTree>
-    <p:extLst>
-      <p:ext uri="{BB962C8B-B14F-4D97-AF65-F5344CB8AC3E}">
-        <p14:creationId xmlns:p14="http://schemas.microsoft.com/office/powerpoint/2010/main" val="527394675"/>
-      </p:ext>
-    </p:extLst>
-  </p:cSld>
-  <p:clrMapOvr>
-    <a:masterClrMapping/>
-  </p:clrMapOvr>
-</p:sld>
-</file>
-
-<file path=ppt/slides/slide6.xml><?xml version="1.0" encoding="utf-8"?>
-<p:sld xmlns:a="http://schemas.openxmlformats.org/drawingml/2006/main" xmlns:r="http://schemas.openxmlformats.org/officeDocument/2006/relationships" xmlns:p="http://schemas.openxmlformats.org/presentationml/2006/main">
-  <p:cSld>
     <p:spTree>
       <p:nvGrpSpPr>
         <p:cNvPr id="1" name="">
@@ -4497,120 +4074,7 @@
 </p:sld>
 </file>
 
-<file path=ppt/slides/slide7.xml><?xml version="1.0" encoding="utf-8"?>
-<p:sld xmlns:a="http://schemas.openxmlformats.org/drawingml/2006/main" xmlns:r="http://schemas.openxmlformats.org/officeDocument/2006/relationships" xmlns:p="http://schemas.openxmlformats.org/presentationml/2006/main">
-  <p:cSld>
-    <p:bg>
-      <p:bgPr>
-        <a:solidFill>
-          <a:schemeClr val="accent6">
-            <a:lumMod val="40000"/>
-            <a:lumOff val="60000"/>
-          </a:schemeClr>
-        </a:solidFill>
-        <a:effectLst/>
-      </p:bgPr>
-    </p:bg>
-    <p:spTree>
-      <p:nvGrpSpPr>
-        <p:cNvPr id="1" name="">
-          <a:extLst>
-            <a:ext uri="{FF2B5EF4-FFF2-40B4-BE49-F238E27FC236}">
-              <a16:creationId xmlns:a16="http://schemas.microsoft.com/office/drawing/2014/main" id="{32618B9E-84D8-7A1A-D31F-9E848741A0E5}"/>
-            </a:ext>
-          </a:extLst>
-        </p:cNvPr>
-        <p:cNvGrpSpPr/>
-        <p:nvPr/>
-      </p:nvGrpSpPr>
-      <p:grpSpPr>
-        <a:xfrm>
-          <a:off x="0" y="0"/>
-          <a:ext cx="0" cy="0"/>
-          <a:chOff x="0" y="0"/>
-          <a:chExt cx="0" cy="0"/>
-        </a:xfrm>
-      </p:grpSpPr>
-      <p:sp>
-        <p:nvSpPr>
-          <p:cNvPr id="4" name="Google Shape;343;p52">
-            <a:extLst>
-              <a:ext uri="{FF2B5EF4-FFF2-40B4-BE49-F238E27FC236}">
-                <a16:creationId xmlns:a16="http://schemas.microsoft.com/office/drawing/2014/main" id="{94F178DE-0E3F-0F37-4AB4-9B4A014FB74B}"/>
-              </a:ext>
-            </a:extLst>
-          </p:cNvPr>
-          <p:cNvSpPr txBox="1">
-            <a:spLocks noGrp="1"/>
-          </p:cNvSpPr>
-          <p:nvPr>
-            <p:ph idx="1"/>
-          </p:nvPr>
-        </p:nvSpPr>
-        <p:spPr>
-          <a:xfrm>
-            <a:off x="838200" y="1253331"/>
-            <a:ext cx="10515600" cy="4351338"/>
-          </a:xfrm>
-          <a:prstGeom prst="rect">
-            <a:avLst/>
-          </a:prstGeom>
-          <a:noFill/>
-          <a:ln>
-            <a:noFill/>
-          </a:ln>
-        </p:spPr>
-        <p:txBody>
-          <a:bodyPr spcFirstLastPara="1" wrap="square" lIns="91425" tIns="91425" rIns="91425" bIns="91425" anchor="ctr" anchorCtr="0">
-            <a:noAutofit/>
-          </a:bodyPr>
-          <a:lstStyle/>
-          <a:p>
-            <a:pPr marL="0" lvl="0" indent="0" algn="ctr" rtl="0">
-              <a:lnSpc>
-                <a:spcPct val="100000"/>
-              </a:lnSpc>
-              <a:spcBef>
-                <a:spcPts val="0"/>
-              </a:spcBef>
-              <a:spcAft>
-                <a:spcPts val="0"/>
-              </a:spcAft>
-              <a:buSzPts val="2600"/>
-              <a:buNone/>
-            </a:pPr>
-            <a:r>
-              <a:rPr lang="en-US" sz="3300" dirty="0">
-                <a:latin typeface="Lato Black"/>
-                <a:ea typeface="Lato Black"/>
-                <a:cs typeface="Lato Black"/>
-                <a:sym typeface="Lato Black"/>
-              </a:rPr>
-              <a:t>Observations of Volume Over Time</a:t>
-            </a:r>
-            <a:endParaRPr lang="en-US" sz="3300" dirty="0">
-              <a:latin typeface="Lato"/>
-              <a:ea typeface="Lato"/>
-              <a:cs typeface="Lato"/>
-              <a:sym typeface="Lato"/>
-            </a:endParaRPr>
-          </a:p>
-        </p:txBody>
-      </p:sp>
-    </p:spTree>
-    <p:extLst>
-      <p:ext uri="{BB962C8B-B14F-4D97-AF65-F5344CB8AC3E}">
-        <p14:creationId xmlns:p14="http://schemas.microsoft.com/office/powerpoint/2010/main" val="1931430739"/>
-      </p:ext>
-    </p:extLst>
-  </p:cSld>
-  <p:clrMapOvr>
-    <a:masterClrMapping/>
-  </p:clrMapOvr>
-</p:sld>
-</file>
-
-<file path=ppt/slides/slide8.xml><?xml version="1.0" encoding="utf-8"?>
+<file path=ppt/slides/slide6.xml><?xml version="1.0" encoding="utf-8"?>
 <p:sld xmlns:a="http://schemas.openxmlformats.org/drawingml/2006/main" xmlns:r="http://schemas.openxmlformats.org/officeDocument/2006/relationships" xmlns:p="http://schemas.openxmlformats.org/presentationml/2006/main">
   <p:cSld>
     <p:spTree>
@@ -4719,26 +4183,15 @@
 </p:sld>
 </file>
 
-<file path=ppt/slides/slide9.xml><?xml version="1.0" encoding="utf-8"?>
+<file path=ppt/slides/slide7.xml><?xml version="1.0" encoding="utf-8"?>
 <p:sld xmlns:a="http://schemas.openxmlformats.org/drawingml/2006/main" xmlns:r="http://schemas.openxmlformats.org/officeDocument/2006/relationships" xmlns:p="http://schemas.openxmlformats.org/presentationml/2006/main">
   <p:cSld>
-    <p:bg>
-      <p:bgPr>
-        <a:solidFill>
-          <a:schemeClr val="accent6">
-            <a:lumMod val="40000"/>
-            <a:lumOff val="60000"/>
-          </a:schemeClr>
-        </a:solidFill>
-        <a:effectLst/>
-      </p:bgPr>
-    </p:bg>
     <p:spTree>
       <p:nvGrpSpPr>
         <p:cNvPr id="1" name="">
           <a:extLst>
             <a:ext uri="{FF2B5EF4-FFF2-40B4-BE49-F238E27FC236}">
-              <a16:creationId xmlns:a16="http://schemas.microsoft.com/office/drawing/2014/main" id="{AA2C65F4-76C5-91B8-531B-32A6B2FB854A}"/>
+              <a16:creationId xmlns:a16="http://schemas.microsoft.com/office/drawing/2014/main" id="{861EAD38-8D0C-638B-BC0E-3E36AF70FFC1}"/>
             </a:ext>
           </a:extLst>
         </p:cNvPr>
@@ -4753,76 +4206,287 @@
           <a:chExt cx="0" cy="0"/>
         </a:xfrm>
       </p:grpSpPr>
-      <p:sp>
-        <p:nvSpPr>
-          <p:cNvPr id="4" name="Google Shape;343;p52">
+      <p:pic>
+        <p:nvPicPr>
+          <p:cNvPr id="5" name="Content Placeholder 4" descr="A graph of different points&#10;&#10;AI-generated content may be incorrect.">
             <a:extLst>
               <a:ext uri="{FF2B5EF4-FFF2-40B4-BE49-F238E27FC236}">
-                <a16:creationId xmlns:a16="http://schemas.microsoft.com/office/drawing/2014/main" id="{7C30C0F0-72EB-AF8B-5429-4E474941500D}"/>
+                <a16:creationId xmlns:a16="http://schemas.microsoft.com/office/drawing/2014/main" id="{2693D067-98A3-AA4A-854C-23059B1DE6F1}"/>
               </a:ext>
             </a:extLst>
           </p:cNvPr>
-          <p:cNvSpPr txBox="1">
-            <a:spLocks noGrp="1"/>
-          </p:cNvSpPr>
+          <p:cNvPicPr>
+            <a:picLocks noGrp="1" noChangeAspect="1"/>
+          </p:cNvPicPr>
           <p:nvPr>
             <p:ph idx="1"/>
           </p:nvPr>
-        </p:nvSpPr>
+        </p:nvPicPr>
+        <p:blipFill>
+          <a:blip r:embed="rId2">
+            <a:extLst>
+              <a:ext uri="{28A0092B-C50C-407E-A947-70E740481C1C}">
+                <a14:useLocalDpi xmlns:a14="http://schemas.microsoft.com/office/drawing/2010/main" val="0"/>
+              </a:ext>
+            </a:extLst>
+          </a:blip>
+          <a:stretch>
+            <a:fillRect/>
+          </a:stretch>
+        </p:blipFill>
         <p:spPr>
           <a:xfrm>
-            <a:off x="838200" y="1253331"/>
-            <a:ext cx="10515600" cy="4351338"/>
+            <a:off x="3120572" y="27215"/>
+            <a:ext cx="9071428" cy="6803570"/>
+          </a:xfrm>
+        </p:spPr>
+      </p:pic>
+      <p:sp>
+        <p:nvSpPr>
+          <p:cNvPr id="2" name="TextBox 1">
+            <a:extLst>
+              <a:ext uri="{FF2B5EF4-FFF2-40B4-BE49-F238E27FC236}">
+                <a16:creationId xmlns:a16="http://schemas.microsoft.com/office/drawing/2014/main" id="{7A56B65C-328F-1D7E-E127-CA31780A7CE8}"/>
+              </a:ext>
+            </a:extLst>
+          </p:cNvPr>
+          <p:cNvSpPr txBox="1"/>
+          <p:nvPr/>
+        </p:nvSpPr>
+        <p:spPr>
+          <a:xfrm>
+            <a:off x="0" y="1997839"/>
+            <a:ext cx="3241040" cy="2862322"/>
           </a:xfrm>
           <a:prstGeom prst="rect">
             <a:avLst/>
           </a:prstGeom>
           <a:noFill/>
-          <a:ln>
-            <a:noFill/>
-          </a:ln>
         </p:spPr>
         <p:txBody>
-          <a:bodyPr spcFirstLastPara="1" wrap="square" lIns="91425" tIns="91425" rIns="91425" bIns="91425" anchor="ctr" anchorCtr="0">
-            <a:noAutofit/>
+          <a:bodyPr wrap="square" rtlCol="0">
+            <a:spAutoFit/>
           </a:bodyPr>
           <a:lstStyle/>
           <a:p>
-            <a:pPr marL="0" lvl="0" indent="0" algn="ctr" rtl="0">
-              <a:lnSpc>
-                <a:spcPct val="100000"/>
-              </a:lnSpc>
-              <a:spcBef>
-                <a:spcPts val="0"/>
-              </a:spcBef>
-              <a:spcAft>
-                <a:spcPts val="0"/>
-              </a:spcAft>
-              <a:buSzPts val="2600"/>
-              <a:buNone/>
+            <a:pPr marL="285750" indent="-285750">
+              <a:buFont typeface="Wingdings" panose="05000000000000000000" pitchFamily="2" charset="2"/>
+              <a:buChar char="§"/>
             </a:pPr>
             <a:r>
-              <a:rPr lang="en-US" sz="3300" dirty="0">
-                <a:latin typeface="Lato Black"/>
-                <a:ea typeface="Lato Black"/>
-                <a:cs typeface="Lato Black"/>
-                <a:sym typeface="Lato Black"/>
-              </a:rPr>
-              <a:t>Observations of Factory Locations</a:t>
-            </a:r>
-            <a:endParaRPr lang="en-US" sz="3300" dirty="0">
-              <a:latin typeface="Lato"/>
-              <a:ea typeface="Lato"/>
-              <a:cs typeface="Lato"/>
-              <a:sym typeface="Lato"/>
-            </a:endParaRPr>
+              <a:rPr lang="en-US" dirty="0"/>
+              <a:t>Items with more locations visited do not necessarily have longer production times.</a:t>
+            </a:r>
+          </a:p>
+          <a:p>
+            <a:endParaRPr lang="en-US" dirty="0"/>
+          </a:p>
+          <a:p>
+            <a:pPr marL="285750" indent="-285750">
+              <a:buFont typeface="Wingdings" panose="05000000000000000000" pitchFamily="2" charset="2"/>
+              <a:buChar char="§"/>
+            </a:pPr>
+            <a:r>
+              <a:rPr lang="en-US" dirty="0"/>
+              <a:t>While the extreme values can have significantly more locations visited, it is not the root cause of their longer production timespan</a:t>
+            </a:r>
           </a:p>
         </p:txBody>
       </p:sp>
     </p:spTree>
     <p:extLst>
       <p:ext uri="{BB962C8B-B14F-4D97-AF65-F5344CB8AC3E}">
-        <p14:creationId xmlns:p14="http://schemas.microsoft.com/office/powerpoint/2010/main" val="1769042485"/>
+        <p14:creationId xmlns:p14="http://schemas.microsoft.com/office/powerpoint/2010/main" val="2095369927"/>
+      </p:ext>
+    </p:extLst>
+  </p:cSld>
+  <p:clrMapOvr>
+    <a:masterClrMapping/>
+  </p:clrMapOvr>
+</p:sld>
+</file>
+
+<file path=ppt/slides/slide8.xml><?xml version="1.0" encoding="utf-8"?>
+<p:sld xmlns:a="http://schemas.openxmlformats.org/drawingml/2006/main" xmlns:r="http://schemas.openxmlformats.org/officeDocument/2006/relationships" xmlns:p="http://schemas.openxmlformats.org/presentationml/2006/main">
+  <p:cSld>
+    <p:spTree>
+      <p:nvGrpSpPr>
+        <p:cNvPr id="1" name="">
+          <a:extLst>
+            <a:ext uri="{FF2B5EF4-FFF2-40B4-BE49-F238E27FC236}">
+              <a16:creationId xmlns:a16="http://schemas.microsoft.com/office/drawing/2014/main" id="{E1328DB0-33F4-7903-D3B0-47599DDDD6CE}"/>
+            </a:ext>
+          </a:extLst>
+        </p:cNvPr>
+        <p:cNvGrpSpPr/>
+        <p:nvPr/>
+      </p:nvGrpSpPr>
+      <p:grpSpPr>
+        <a:xfrm>
+          <a:off x="0" y="0"/>
+          <a:ext cx="0" cy="0"/>
+          <a:chOff x="0" y="0"/>
+          <a:chExt cx="0" cy="0"/>
+        </a:xfrm>
+      </p:grpSpPr>
+      <p:pic>
+        <p:nvPicPr>
+          <p:cNvPr id="6" name="Picture 5">
+            <a:extLst>
+              <a:ext uri="{FF2B5EF4-FFF2-40B4-BE49-F238E27FC236}">
+                <a16:creationId xmlns:a16="http://schemas.microsoft.com/office/drawing/2014/main" id="{1D280D4A-37DD-2458-E30C-D8445789A0A6}"/>
+              </a:ext>
+            </a:extLst>
+          </p:cNvPr>
+          <p:cNvPicPr>
+            <a:picLocks noChangeAspect="1"/>
+          </p:cNvPicPr>
+          <p:nvPr/>
+        </p:nvPicPr>
+        <p:blipFill>
+          <a:blip r:embed="rId2"/>
+          <a:stretch>
+            <a:fillRect/>
+          </a:stretch>
+        </p:blipFill>
+        <p:spPr>
+          <a:xfrm>
+            <a:off x="275967" y="0"/>
+            <a:ext cx="11640065" cy="6858000"/>
+          </a:xfrm>
+          <a:prstGeom prst="rect">
+            <a:avLst/>
+          </a:prstGeom>
+        </p:spPr>
+      </p:pic>
+    </p:spTree>
+    <p:extLst>
+      <p:ext uri="{BB962C8B-B14F-4D97-AF65-F5344CB8AC3E}">
+        <p14:creationId xmlns:p14="http://schemas.microsoft.com/office/powerpoint/2010/main" val="2185388861"/>
+      </p:ext>
+    </p:extLst>
+  </p:cSld>
+  <p:clrMapOvr>
+    <a:masterClrMapping/>
+  </p:clrMapOvr>
+</p:sld>
+</file>
+
+<file path=ppt/slides/slide9.xml><?xml version="1.0" encoding="utf-8"?>
+<p:sld xmlns:a="http://schemas.openxmlformats.org/drawingml/2006/main" xmlns:r="http://schemas.openxmlformats.org/officeDocument/2006/relationships" xmlns:p="http://schemas.openxmlformats.org/presentationml/2006/main">
+  <p:cSld>
+    <p:spTree>
+      <p:nvGrpSpPr>
+        <p:cNvPr id="1" name="">
+          <a:extLst>
+            <a:ext uri="{FF2B5EF4-FFF2-40B4-BE49-F238E27FC236}">
+              <a16:creationId xmlns:a16="http://schemas.microsoft.com/office/drawing/2014/main" id="{21FD4933-963E-CF1B-BD86-FED09CF1D715}"/>
+            </a:ext>
+          </a:extLst>
+        </p:cNvPr>
+        <p:cNvGrpSpPr/>
+        <p:nvPr/>
+      </p:nvGrpSpPr>
+      <p:grpSpPr>
+        <a:xfrm>
+          <a:off x="0" y="0"/>
+          <a:ext cx="0" cy="0"/>
+          <a:chOff x="0" y="0"/>
+          <a:chExt cx="0" cy="0"/>
+        </a:xfrm>
+      </p:grpSpPr>
+      <p:pic>
+        <p:nvPicPr>
+          <p:cNvPr id="9" name="Picture 8" descr="A graph showing a number of blue triangles&#10;&#10;AI-generated content may be incorrect.">
+            <a:extLst>
+              <a:ext uri="{FF2B5EF4-FFF2-40B4-BE49-F238E27FC236}">
+                <a16:creationId xmlns:a16="http://schemas.microsoft.com/office/drawing/2014/main" id="{FF0ADCD9-E343-C0BB-7DF4-04D982163CE8}"/>
+              </a:ext>
+            </a:extLst>
+          </p:cNvPr>
+          <p:cNvPicPr>
+            <a:picLocks noChangeAspect="1"/>
+          </p:cNvPicPr>
+          <p:nvPr/>
+        </p:nvPicPr>
+        <p:blipFill>
+          <a:blip r:embed="rId2">
+            <a:extLst>
+              <a:ext uri="{28A0092B-C50C-407E-A947-70E740481C1C}">
+                <a14:useLocalDpi xmlns:a14="http://schemas.microsoft.com/office/drawing/2010/main" val="0"/>
+              </a:ext>
+            </a:extLst>
+          </a:blip>
+          <a:stretch>
+            <a:fillRect/>
+          </a:stretch>
+        </p:blipFill>
+        <p:spPr>
+          <a:xfrm>
+            <a:off x="3047831" y="278573"/>
+            <a:ext cx="9144169" cy="6300854"/>
+          </a:xfrm>
+          <a:prstGeom prst="rect">
+            <a:avLst/>
+          </a:prstGeom>
+        </p:spPr>
+      </p:pic>
+      <p:sp>
+        <p:nvSpPr>
+          <p:cNvPr id="5" name="TextBox 4">
+            <a:extLst>
+              <a:ext uri="{FF2B5EF4-FFF2-40B4-BE49-F238E27FC236}">
+                <a16:creationId xmlns:a16="http://schemas.microsoft.com/office/drawing/2014/main" id="{33B38D8F-0514-799E-9035-A69CBE692316}"/>
+              </a:ext>
+            </a:extLst>
+          </p:cNvPr>
+          <p:cNvSpPr txBox="1"/>
+          <p:nvPr/>
+        </p:nvSpPr>
+        <p:spPr>
+          <a:xfrm>
+            <a:off x="0" y="2136338"/>
+            <a:ext cx="2834640" cy="2308324"/>
+          </a:xfrm>
+          <a:prstGeom prst="rect">
+            <a:avLst/>
+          </a:prstGeom>
+          <a:noFill/>
+        </p:spPr>
+        <p:txBody>
+          <a:bodyPr wrap="square">
+            <a:spAutoFit/>
+          </a:bodyPr>
+          <a:lstStyle/>
+          <a:p>
+            <a:pPr marL="285750" indent="-285750">
+              <a:buFont typeface="Wingdings" panose="05000000000000000000" pitchFamily="2" charset="2"/>
+              <a:buChar char="§"/>
+            </a:pPr>
+            <a:r>
+              <a:rPr lang="en-US" dirty="0"/>
+              <a:t>Items stay in a holding location until they are ready to be passed off to a jeweler</a:t>
+            </a:r>
+          </a:p>
+          <a:p>
+            <a:endParaRPr lang="en-US" dirty="0"/>
+          </a:p>
+          <a:p>
+            <a:pPr marL="285750" indent="-285750">
+              <a:buFont typeface="Wingdings" panose="05000000000000000000" pitchFamily="2" charset="2"/>
+              <a:buChar char="§"/>
+            </a:pPr>
+            <a:r>
+              <a:rPr lang="en-US" dirty="0"/>
+              <a:t>We see that this location has a spike in outbound volume near the holidays</a:t>
+            </a:r>
+          </a:p>
+        </p:txBody>
+      </p:sp>
+    </p:spTree>
+    <p:extLst>
+      <p:ext uri="{BB962C8B-B14F-4D97-AF65-F5344CB8AC3E}">
+        <p14:creationId xmlns:p14="http://schemas.microsoft.com/office/powerpoint/2010/main" val="2317049187"/>
       </p:ext>
     </p:extLst>
   </p:cSld>
